--- a/FirstYearHacks_2023_Terra_Pet.pptx
+++ b/FirstYearHacks_2023_Terra_Pet.pptx
@@ -12,9 +12,11 @@
     <p:sldId id="267" r:id="rId6"/>
     <p:sldId id="262" r:id="rId7"/>
     <p:sldId id="261" r:id="rId8"/>
-    <p:sldId id="263" r:id="rId9"/>
-    <p:sldId id="264" r:id="rId10"/>
-    <p:sldId id="265" r:id="rId11"/>
+    <p:sldId id="268" r:id="rId9"/>
+    <p:sldId id="269" r:id="rId10"/>
+    <p:sldId id="263" r:id="rId11"/>
+    <p:sldId id="264" r:id="rId12"/>
+    <p:sldId id="265" r:id="rId13"/>
   </p:sldIdLst>
   <p:sldSz cx="12192000" cy="6858000"/>
   <p:notesSz cx="6858000" cy="9144000"/>
@@ -15066,6 +15068,1680 @@
 <file path=ppt/slides/slide10.xml><?xml version="1.0" encoding="utf-8"?>
 <p:sld xmlns:a="http://schemas.openxmlformats.org/drawingml/2006/main" xmlns:r="http://schemas.openxmlformats.org/officeDocument/2006/relationships" xmlns:p="http://schemas.openxmlformats.org/presentationml/2006/main">
   <p:cSld>
+    <p:bg>
+      <p:bgPr>
+        <a:solidFill>
+          <a:schemeClr val="bg1"/>
+        </a:solidFill>
+        <a:effectLst/>
+      </p:bgPr>
+    </p:bg>
+    <p:spTree>
+      <p:nvGrpSpPr>
+        <p:cNvPr id="1" name=""/>
+        <p:cNvGrpSpPr/>
+        <p:nvPr/>
+      </p:nvGrpSpPr>
+      <p:grpSpPr>
+        <a:xfrm>
+          <a:off x="0" y="0"/>
+          <a:ext cx="0" cy="0"/>
+          <a:chOff x="0" y="0"/>
+          <a:chExt cx="0" cy="0"/>
+        </a:xfrm>
+      </p:grpSpPr>
+      <p:sp useBgFill="1">
+        <p:nvSpPr>
+          <p:cNvPr id="10" name="Rectangle 9">
+            <a:extLst>
+              <a:ext uri="{FF2B5EF4-FFF2-40B4-BE49-F238E27FC236}">
+                <a16:creationId xmlns:a16="http://schemas.microsoft.com/office/drawing/2014/main" id="{4EFE82FE-7465-AE46-88DF-34D347E83B84}"/>
+              </a:ext>
+              <a:ext uri="{C183D7F6-B498-43B3-948B-1728B52AA6E4}">
+                <adec:decorative xmlns:adec="http://schemas.microsoft.com/office/drawing/2017/decorative" val="1"/>
+              </a:ext>
+            </a:extLst>
+          </p:cNvPr>
+          <p:cNvSpPr>
+            <a:spLocks noGrp="1" noRot="1" noChangeAspect="1" noMove="1" noResize="1" noEditPoints="1" noAdjustHandles="1" noChangeArrowheads="1" noChangeShapeType="1" noTextEdit="1"/>
+          </p:cNvSpPr>
+          <p:nvPr>
+            <p:extLst>
+              <p:ext uri="{386F3935-93C4-4BCD-93E2-E3B085C9AB24}">
+                <p16:designElem xmlns:p16="http://schemas.microsoft.com/office/powerpoint/2015/main" val="1"/>
+              </p:ext>
+            </p:extLst>
+          </p:nvPr>
+        </p:nvSpPr>
+        <p:spPr>
+          <a:xfrm>
+            <a:off x="0" y="0"/>
+            <a:ext cx="12192000" cy="6858000"/>
+          </a:xfrm>
+          <a:prstGeom prst="rect">
+            <a:avLst/>
+          </a:prstGeom>
+          <a:ln>
+            <a:noFill/>
+          </a:ln>
+        </p:spPr>
+        <p:style>
+          <a:lnRef idx="2">
+            <a:schemeClr val="accent1">
+              <a:shade val="50000"/>
+            </a:schemeClr>
+          </a:lnRef>
+          <a:fillRef idx="1">
+            <a:schemeClr val="accent1"/>
+          </a:fillRef>
+          <a:effectRef idx="0">
+            <a:schemeClr val="accent1"/>
+          </a:effectRef>
+          <a:fontRef idx="minor">
+            <a:schemeClr val="lt1"/>
+          </a:fontRef>
+        </p:style>
+        <p:txBody>
+          <a:bodyPr rtlCol="0" anchor="ctr"/>
+          <a:lstStyle/>
+          <a:p>
+            <a:pPr algn="ctr"/>
+            <a:endParaRPr lang="en-US"/>
+          </a:p>
+        </p:txBody>
+      </p:sp>
+      <p:sp>
+        <p:nvSpPr>
+          <p:cNvPr id="2" name="Title 1">
+            <a:extLst>
+              <a:ext uri="{FF2B5EF4-FFF2-40B4-BE49-F238E27FC236}">
+                <a16:creationId xmlns:a16="http://schemas.microsoft.com/office/drawing/2014/main" id="{8B291452-36B1-9F66-D4BA-C634A9CAF7D1}"/>
+              </a:ext>
+            </a:extLst>
+          </p:cNvPr>
+          <p:cNvSpPr>
+            <a:spLocks noGrp="1"/>
+          </p:cNvSpPr>
+          <p:nvPr>
+            <p:ph type="title"/>
+          </p:nvPr>
+        </p:nvSpPr>
+        <p:spPr>
+          <a:xfrm>
+            <a:off x="565150" y="770890"/>
+            <a:ext cx="6400999" cy="1268984"/>
+          </a:xfrm>
+        </p:spPr>
+        <p:txBody>
+          <a:bodyPr>
+            <a:normAutofit/>
+          </a:bodyPr>
+          <a:lstStyle/>
+          <a:p>
+            <a:r>
+              <a:rPr lang="en-SG" dirty="0"/>
+              <a:t>Market Potential</a:t>
+            </a:r>
+          </a:p>
+        </p:txBody>
+      </p:sp>
+      <p:sp>
+        <p:nvSpPr>
+          <p:cNvPr id="3" name="Content Placeholder 2">
+            <a:extLst>
+              <a:ext uri="{FF2B5EF4-FFF2-40B4-BE49-F238E27FC236}">
+                <a16:creationId xmlns:a16="http://schemas.microsoft.com/office/drawing/2014/main" id="{8BF72BE4-97A6-056D-5824-FD0B6A877A9B}"/>
+              </a:ext>
+            </a:extLst>
+          </p:cNvPr>
+          <p:cNvSpPr>
+            <a:spLocks noGrp="1"/>
+          </p:cNvSpPr>
+          <p:nvPr>
+            <p:ph idx="1"/>
+          </p:nvPr>
+        </p:nvSpPr>
+        <p:spPr>
+          <a:xfrm>
+            <a:off x="565150" y="2160016"/>
+            <a:ext cx="6400999" cy="3601212"/>
+          </a:xfrm>
+        </p:spPr>
+        <p:txBody>
+          <a:bodyPr>
+            <a:normAutofit/>
+          </a:bodyPr>
+          <a:lstStyle/>
+          <a:p>
+            <a:pPr>
+              <a:buFont typeface="Arial" panose="020B0604020202020204" pitchFamily="34" charset="0"/>
+              <a:buChar char="•"/>
+            </a:pPr>
+            <a:r>
+              <a:rPr lang="en-US" b="1" dirty="0"/>
+              <a:t>The global health and fitness app market is expected to reach $14.64 billion by 2026.</a:t>
+            </a:r>
+            <a:endParaRPr lang="en-US" b="1"/>
+          </a:p>
+          <a:p>
+            <a:pPr marL="0" indent="0">
+              <a:buNone/>
+            </a:pPr>
+            <a:endParaRPr lang="en-US" b="1"/>
+          </a:p>
+          <a:p>
+            <a:pPr>
+              <a:buFont typeface="Arial" panose="020B0604020202020204" pitchFamily="34" charset="0"/>
+              <a:buChar char="•"/>
+            </a:pPr>
+            <a:r>
+              <a:rPr lang="en-US" b="1" dirty="0"/>
+              <a:t>The market for virtual pet games is also growing, with games like </a:t>
+            </a:r>
+            <a:r>
+              <a:rPr lang="en-US" b="1" dirty="0" err="1"/>
+              <a:t>Nintendogs</a:t>
+            </a:r>
+            <a:r>
+              <a:rPr lang="en-US" b="1" dirty="0"/>
+              <a:t> and Tamagotchi selling millions of copies worldwide.</a:t>
+            </a:r>
+            <a:endParaRPr lang="en-US" b="1"/>
+          </a:p>
+          <a:p>
+            <a:endParaRPr lang="en-SG" dirty="0"/>
+          </a:p>
+        </p:txBody>
+      </p:sp>
+      <p:grpSp>
+        <p:nvGrpSpPr>
+          <p:cNvPr id="12" name="Group 11">
+            <a:extLst>
+              <a:ext uri="{FF2B5EF4-FFF2-40B4-BE49-F238E27FC236}">
+                <a16:creationId xmlns:a16="http://schemas.microsoft.com/office/drawing/2014/main" id="{1B5E71B3-7269-894E-A00B-31D341365FC9}"/>
+              </a:ext>
+              <a:ext uri="{C183D7F6-B498-43B3-948B-1728B52AA6E4}">
+                <adec:decorative xmlns:adec="http://schemas.microsoft.com/office/drawing/2017/decorative" val="1"/>
+              </a:ext>
+            </a:extLst>
+          </p:cNvPr>
+          <p:cNvGrpSpPr>
+            <a:grpSpLocks noGrp="1" noUngrp="1" noRot="1" noChangeAspect="1" noMove="1" noResize="1"/>
+          </p:cNvGrpSpPr>
+          <p:nvPr>
+            <p:extLst>
+              <p:ext uri="{386F3935-93C4-4BCD-93E2-E3B085C9AB24}">
+                <p16:designElem xmlns:p16="http://schemas.microsoft.com/office/powerpoint/2015/main" val="1"/>
+              </p:ext>
+            </p:extLst>
+          </p:nvPr>
+        </p:nvGrpSpPr>
+        <p:grpSpPr>
+          <a:xfrm>
+            <a:off x="10290315" y="0"/>
+            <a:ext cx="1901686" cy="4677439"/>
+            <a:chOff x="10290315" y="0"/>
+            <a:chExt cx="1901686" cy="4677439"/>
+          </a:xfrm>
+        </p:grpSpPr>
+        <p:sp>
+          <p:nvSpPr>
+            <p:cNvPr id="13" name="Freeform 85">
+              <a:extLst>
+                <a:ext uri="{FF2B5EF4-FFF2-40B4-BE49-F238E27FC236}">
+                  <a16:creationId xmlns:a16="http://schemas.microsoft.com/office/drawing/2014/main" id="{FFFA3A20-1539-CC4A-9BE1-7415FE5A98C6}"/>
+                </a:ext>
+                <a:ext uri="{C183D7F6-B498-43B3-948B-1728B52AA6E4}">
+                  <adec:decorative xmlns:adec="http://schemas.microsoft.com/office/drawing/2017/decorative" val="1"/>
+                </a:ext>
+              </a:extLst>
+            </p:cNvPr>
+            <p:cNvSpPr/>
+            <p:nvPr>
+              <p:extLst>
+                <p:ext uri="{386F3935-93C4-4BCD-93E2-E3B085C9AB24}">
+                  <p16:designElem xmlns:p16="http://schemas.microsoft.com/office/powerpoint/2015/main" val="1"/>
+                </p:ext>
+              </p:extLst>
+            </p:nvPr>
+          </p:nvSpPr>
+          <p:spPr>
+            <a:xfrm>
+              <a:off x="10290315" y="0"/>
+              <a:ext cx="1130724" cy="565573"/>
+            </a:xfrm>
+            <a:custGeom>
+              <a:avLst/>
+              <a:gdLst>
+                <a:gd name="connsiteX0" fmla="*/ 21 w 1130724"/>
+                <a:gd name="connsiteY0" fmla="*/ 0 h 565573"/>
+                <a:gd name="connsiteX1" fmla="*/ 1130703 w 1130724"/>
+                <a:gd name="connsiteY1" fmla="*/ 0 h 565573"/>
+                <a:gd name="connsiteX2" fmla="*/ 1130724 w 1130724"/>
+                <a:gd name="connsiteY2" fmla="*/ 211 h 565573"/>
+                <a:gd name="connsiteX3" fmla="*/ 565362 w 1130724"/>
+                <a:gd name="connsiteY3" fmla="*/ 565573 h 565573"/>
+                <a:gd name="connsiteX4" fmla="*/ 0 w 1130724"/>
+                <a:gd name="connsiteY4" fmla="*/ 211 h 565573"/>
+              </a:gdLst>
+              <a:ahLst/>
+              <a:cxnLst>
+                <a:cxn ang="0">
+                  <a:pos x="connsiteX0" y="connsiteY0"/>
+                </a:cxn>
+                <a:cxn ang="0">
+                  <a:pos x="connsiteX1" y="connsiteY1"/>
+                </a:cxn>
+                <a:cxn ang="0">
+                  <a:pos x="connsiteX2" y="connsiteY2"/>
+                </a:cxn>
+                <a:cxn ang="0">
+                  <a:pos x="connsiteX3" y="connsiteY3"/>
+                </a:cxn>
+                <a:cxn ang="0">
+                  <a:pos x="connsiteX4" y="connsiteY4"/>
+                </a:cxn>
+              </a:cxnLst>
+              <a:rect l="l" t="t" r="r" b="b"/>
+              <a:pathLst>
+                <a:path w="1130724" h="565573">
+                  <a:moveTo>
+                    <a:pt x="21" y="0"/>
+                  </a:moveTo>
+                  <a:lnTo>
+                    <a:pt x="1130703" y="0"/>
+                  </a:lnTo>
+                  <a:lnTo>
+                    <a:pt x="1130724" y="211"/>
+                  </a:lnTo>
+                  <a:cubicBezTo>
+                    <a:pt x="1130724" y="312452"/>
+                    <a:pt x="877603" y="565573"/>
+                    <a:pt x="565362" y="565573"/>
+                  </a:cubicBezTo>
+                  <a:cubicBezTo>
+                    <a:pt x="253121" y="565573"/>
+                    <a:pt x="0" y="312452"/>
+                    <a:pt x="0" y="211"/>
+                  </a:cubicBezTo>
+                  <a:close/>
+                </a:path>
+              </a:pathLst>
+            </a:custGeom>
+            <a:solidFill>
+              <a:schemeClr val="bg2"/>
+            </a:solidFill>
+            <a:ln>
+              <a:noFill/>
+            </a:ln>
+          </p:spPr>
+          <p:style>
+            <a:lnRef idx="2">
+              <a:schemeClr val="accent1">
+                <a:shade val="50000"/>
+              </a:schemeClr>
+            </a:lnRef>
+            <a:fillRef idx="1">
+              <a:schemeClr val="accent1"/>
+            </a:fillRef>
+            <a:effectRef idx="0">
+              <a:schemeClr val="accent1"/>
+            </a:effectRef>
+            <a:fontRef idx="minor">
+              <a:schemeClr val="lt1"/>
+            </a:fontRef>
+          </p:style>
+          <p:txBody>
+            <a:bodyPr wrap="square" rtlCol="0" anchor="ctr">
+              <a:noAutofit/>
+            </a:bodyPr>
+            <a:lstStyle/>
+            <a:p>
+              <a:pPr algn="ctr"/>
+              <a:endParaRPr lang="en-US"/>
+            </a:p>
+          </p:txBody>
+        </p:sp>
+        <p:sp>
+          <p:nvSpPr>
+            <p:cNvPr id="14" name="Freeform 87">
+              <a:extLst>
+                <a:ext uri="{FF2B5EF4-FFF2-40B4-BE49-F238E27FC236}">
+                  <a16:creationId xmlns:a16="http://schemas.microsoft.com/office/drawing/2014/main" id="{44EBCCFB-8EAB-2442-8E02-293F08D50B5C}"/>
+                </a:ext>
+                <a:ext uri="{C183D7F6-B498-43B3-948B-1728B52AA6E4}">
+                  <adec:decorative xmlns:adec="http://schemas.microsoft.com/office/drawing/2017/decorative" val="1"/>
+                </a:ext>
+              </a:extLst>
+            </p:cNvPr>
+            <p:cNvSpPr/>
+            <p:nvPr>
+              <p:extLst>
+                <p:ext uri="{386F3935-93C4-4BCD-93E2-E3B085C9AB24}">
+                  <p16:designElem xmlns:p16="http://schemas.microsoft.com/office/powerpoint/2015/main" val="1"/>
+                </p:ext>
+              </p:extLst>
+            </p:nvPr>
+          </p:nvSpPr>
+          <p:spPr>
+            <a:xfrm>
+              <a:off x="11653180" y="3552066"/>
+              <a:ext cx="538821" cy="1125373"/>
+            </a:xfrm>
+            <a:custGeom>
+              <a:avLst/>
+              <a:gdLst>
+                <a:gd name="connsiteX0" fmla="*/ 538821 w 538821"/>
+                <a:gd name="connsiteY0" fmla="*/ 0 h 1125373"/>
+                <a:gd name="connsiteX1" fmla="*/ 538821 w 538821"/>
+                <a:gd name="connsiteY1" fmla="*/ 1125373 h 1125373"/>
+                <a:gd name="connsiteX2" fmla="*/ 451422 w 538821"/>
+                <a:gd name="connsiteY2" fmla="*/ 1116562 h 1125373"/>
+                <a:gd name="connsiteX3" fmla="*/ 0 w 538821"/>
+                <a:gd name="connsiteY3" fmla="*/ 562686 h 1125373"/>
+                <a:gd name="connsiteX4" fmla="*/ 451422 w 538821"/>
+                <a:gd name="connsiteY4" fmla="*/ 8810 h 1125373"/>
+              </a:gdLst>
+              <a:ahLst/>
+              <a:cxnLst>
+                <a:cxn ang="0">
+                  <a:pos x="connsiteX0" y="connsiteY0"/>
+                </a:cxn>
+                <a:cxn ang="0">
+                  <a:pos x="connsiteX1" y="connsiteY1"/>
+                </a:cxn>
+                <a:cxn ang="0">
+                  <a:pos x="connsiteX2" y="connsiteY2"/>
+                </a:cxn>
+                <a:cxn ang="0">
+                  <a:pos x="connsiteX3" y="connsiteY3"/>
+                </a:cxn>
+                <a:cxn ang="0">
+                  <a:pos x="connsiteX4" y="connsiteY4"/>
+                </a:cxn>
+              </a:cxnLst>
+              <a:rect l="l" t="t" r="r" b="b"/>
+              <a:pathLst>
+                <a:path w="538821" h="1125373">
+                  <a:moveTo>
+                    <a:pt x="538821" y="0"/>
+                  </a:moveTo>
+                  <a:lnTo>
+                    <a:pt x="538821" y="1125373"/>
+                  </a:lnTo>
+                  <a:lnTo>
+                    <a:pt x="451422" y="1116562"/>
+                  </a:lnTo>
+                  <a:cubicBezTo>
+                    <a:pt x="193796" y="1063844"/>
+                    <a:pt x="0" y="835897"/>
+                    <a:pt x="0" y="562686"/>
+                  </a:cubicBezTo>
+                  <a:cubicBezTo>
+                    <a:pt x="0" y="289475"/>
+                    <a:pt x="193796" y="61528"/>
+                    <a:pt x="451422" y="8810"/>
+                  </a:cubicBezTo>
+                  <a:close/>
+                </a:path>
+              </a:pathLst>
+            </a:custGeom>
+            <a:solidFill>
+              <a:schemeClr val="bg2"/>
+            </a:solidFill>
+            <a:ln>
+              <a:noFill/>
+            </a:ln>
+          </p:spPr>
+          <p:style>
+            <a:lnRef idx="2">
+              <a:schemeClr val="accent1">
+                <a:shade val="50000"/>
+              </a:schemeClr>
+            </a:lnRef>
+            <a:fillRef idx="1">
+              <a:schemeClr val="accent1"/>
+            </a:fillRef>
+            <a:effectRef idx="0">
+              <a:schemeClr val="accent1"/>
+            </a:effectRef>
+            <a:fontRef idx="minor">
+              <a:schemeClr val="lt1"/>
+            </a:fontRef>
+          </p:style>
+          <p:txBody>
+            <a:bodyPr wrap="square" rtlCol="0" anchor="ctr">
+              <a:noAutofit/>
+            </a:bodyPr>
+            <a:lstStyle/>
+            <a:p>
+              <a:pPr algn="ctr"/>
+              <a:endParaRPr lang="en-US"/>
+            </a:p>
+          </p:txBody>
+        </p:sp>
+        <p:sp>
+          <p:nvSpPr>
+            <p:cNvPr id="15" name="Freeform 89">
+              <a:extLst>
+                <a:ext uri="{FF2B5EF4-FFF2-40B4-BE49-F238E27FC236}">
+                  <a16:creationId xmlns:a16="http://schemas.microsoft.com/office/drawing/2014/main" id="{AFD14830-CC36-D64E-8173-3980425632A8}"/>
+                </a:ext>
+                <a:ext uri="{C183D7F6-B498-43B3-948B-1728B52AA6E4}">
+                  <adec:decorative xmlns:adec="http://schemas.microsoft.com/office/drawing/2017/decorative" val="1"/>
+                </a:ext>
+              </a:extLst>
+            </p:cNvPr>
+            <p:cNvSpPr/>
+            <p:nvPr>
+              <p:extLst>
+                <p:ext uri="{386F3935-93C4-4BCD-93E2-E3B085C9AB24}">
+                  <p16:designElem xmlns:p16="http://schemas.microsoft.com/office/powerpoint/2015/main" val="1"/>
+                </p:ext>
+              </p:extLst>
+            </p:nvPr>
+          </p:nvSpPr>
+          <p:spPr>
+            <a:xfrm>
+              <a:off x="11653180" y="809039"/>
+              <a:ext cx="538821" cy="1125373"/>
+            </a:xfrm>
+            <a:custGeom>
+              <a:avLst/>
+              <a:gdLst>
+                <a:gd name="connsiteX0" fmla="*/ 538821 w 538821"/>
+                <a:gd name="connsiteY0" fmla="*/ 0 h 1125373"/>
+                <a:gd name="connsiteX1" fmla="*/ 538821 w 538821"/>
+                <a:gd name="connsiteY1" fmla="*/ 1125373 h 1125373"/>
+                <a:gd name="connsiteX2" fmla="*/ 451422 w 538821"/>
+                <a:gd name="connsiteY2" fmla="*/ 1116562 h 1125373"/>
+                <a:gd name="connsiteX3" fmla="*/ 0 w 538821"/>
+                <a:gd name="connsiteY3" fmla="*/ 562686 h 1125373"/>
+                <a:gd name="connsiteX4" fmla="*/ 451422 w 538821"/>
+                <a:gd name="connsiteY4" fmla="*/ 8810 h 1125373"/>
+              </a:gdLst>
+              <a:ahLst/>
+              <a:cxnLst>
+                <a:cxn ang="0">
+                  <a:pos x="connsiteX0" y="connsiteY0"/>
+                </a:cxn>
+                <a:cxn ang="0">
+                  <a:pos x="connsiteX1" y="connsiteY1"/>
+                </a:cxn>
+                <a:cxn ang="0">
+                  <a:pos x="connsiteX2" y="connsiteY2"/>
+                </a:cxn>
+                <a:cxn ang="0">
+                  <a:pos x="connsiteX3" y="connsiteY3"/>
+                </a:cxn>
+                <a:cxn ang="0">
+                  <a:pos x="connsiteX4" y="connsiteY4"/>
+                </a:cxn>
+              </a:cxnLst>
+              <a:rect l="l" t="t" r="r" b="b"/>
+              <a:pathLst>
+                <a:path w="538821" h="1125373">
+                  <a:moveTo>
+                    <a:pt x="538821" y="0"/>
+                  </a:moveTo>
+                  <a:lnTo>
+                    <a:pt x="538821" y="1125373"/>
+                  </a:lnTo>
+                  <a:lnTo>
+                    <a:pt x="451422" y="1116562"/>
+                  </a:lnTo>
+                  <a:cubicBezTo>
+                    <a:pt x="193796" y="1063844"/>
+                    <a:pt x="0" y="835897"/>
+                    <a:pt x="0" y="562686"/>
+                  </a:cubicBezTo>
+                  <a:cubicBezTo>
+                    <a:pt x="0" y="289475"/>
+                    <a:pt x="193796" y="61528"/>
+                    <a:pt x="451422" y="8810"/>
+                  </a:cubicBezTo>
+                  <a:close/>
+                </a:path>
+              </a:pathLst>
+            </a:custGeom>
+            <a:solidFill>
+              <a:schemeClr val="accent1"/>
+            </a:solidFill>
+            <a:ln>
+              <a:noFill/>
+            </a:ln>
+          </p:spPr>
+          <p:style>
+            <a:lnRef idx="2">
+              <a:schemeClr val="accent1">
+                <a:shade val="50000"/>
+              </a:schemeClr>
+            </a:lnRef>
+            <a:fillRef idx="1">
+              <a:schemeClr val="accent1"/>
+            </a:fillRef>
+            <a:effectRef idx="0">
+              <a:schemeClr val="accent1"/>
+            </a:effectRef>
+            <a:fontRef idx="minor">
+              <a:schemeClr val="lt1"/>
+            </a:fontRef>
+          </p:style>
+          <p:txBody>
+            <a:bodyPr wrap="square" rtlCol="0" anchor="ctr">
+              <a:noAutofit/>
+            </a:bodyPr>
+            <a:lstStyle/>
+            <a:p>
+              <a:pPr algn="ctr"/>
+              <a:endParaRPr lang="en-US"/>
+            </a:p>
+          </p:txBody>
+        </p:sp>
+        <p:sp>
+          <p:nvSpPr>
+            <p:cNvPr id="16" name="Freeform 97">
+              <a:extLst>
+                <a:ext uri="{FF2B5EF4-FFF2-40B4-BE49-F238E27FC236}">
+                  <a16:creationId xmlns:a16="http://schemas.microsoft.com/office/drawing/2014/main" id="{FAA40AB8-EB6E-A44D-B3CA-7D25B64F5A4D}"/>
+                </a:ext>
+                <a:ext uri="{C183D7F6-B498-43B3-948B-1728B52AA6E4}">
+                  <adec:decorative xmlns:adec="http://schemas.microsoft.com/office/drawing/2017/decorative" val="1"/>
+                </a:ext>
+              </a:extLst>
+            </p:cNvPr>
+            <p:cNvSpPr/>
+            <p:nvPr>
+              <p:extLst>
+                <p:ext uri="{386F3935-93C4-4BCD-93E2-E3B085C9AB24}">
+                  <p16:designElem xmlns:p16="http://schemas.microsoft.com/office/powerpoint/2015/main" val="1"/>
+                </p:ext>
+              </p:extLst>
+            </p:nvPr>
+          </p:nvSpPr>
+          <p:spPr>
+            <a:xfrm>
+              <a:off x="11653180" y="0"/>
+              <a:ext cx="538821" cy="562898"/>
+            </a:xfrm>
+            <a:custGeom>
+              <a:avLst/>
+              <a:gdLst>
+                <a:gd name="connsiteX0" fmla="*/ 21 w 538821"/>
+                <a:gd name="connsiteY0" fmla="*/ 0 h 562898"/>
+                <a:gd name="connsiteX1" fmla="*/ 538821 w 538821"/>
+                <a:gd name="connsiteY1" fmla="*/ 0 h 562898"/>
+                <a:gd name="connsiteX2" fmla="*/ 538821 w 538821"/>
+                <a:gd name="connsiteY2" fmla="*/ 562898 h 562898"/>
+                <a:gd name="connsiteX3" fmla="*/ 451422 w 538821"/>
+                <a:gd name="connsiteY3" fmla="*/ 554087 h 562898"/>
+                <a:gd name="connsiteX4" fmla="*/ 0 w 538821"/>
+                <a:gd name="connsiteY4" fmla="*/ 211 h 562898"/>
+              </a:gdLst>
+              <a:ahLst/>
+              <a:cxnLst>
+                <a:cxn ang="0">
+                  <a:pos x="connsiteX0" y="connsiteY0"/>
+                </a:cxn>
+                <a:cxn ang="0">
+                  <a:pos x="connsiteX1" y="connsiteY1"/>
+                </a:cxn>
+                <a:cxn ang="0">
+                  <a:pos x="connsiteX2" y="connsiteY2"/>
+                </a:cxn>
+                <a:cxn ang="0">
+                  <a:pos x="connsiteX3" y="connsiteY3"/>
+                </a:cxn>
+                <a:cxn ang="0">
+                  <a:pos x="connsiteX4" y="connsiteY4"/>
+                </a:cxn>
+              </a:cxnLst>
+              <a:rect l="l" t="t" r="r" b="b"/>
+              <a:pathLst>
+                <a:path w="538821" h="562898">
+                  <a:moveTo>
+                    <a:pt x="21" y="0"/>
+                  </a:moveTo>
+                  <a:lnTo>
+                    <a:pt x="538821" y="0"/>
+                  </a:lnTo>
+                  <a:lnTo>
+                    <a:pt x="538821" y="562898"/>
+                  </a:lnTo>
+                  <a:lnTo>
+                    <a:pt x="451422" y="554087"/>
+                  </a:lnTo>
+                  <a:cubicBezTo>
+                    <a:pt x="193796" y="501369"/>
+                    <a:pt x="0" y="273422"/>
+                    <a:pt x="0" y="211"/>
+                  </a:cubicBezTo>
+                  <a:close/>
+                </a:path>
+              </a:pathLst>
+            </a:custGeom>
+            <a:solidFill>
+              <a:schemeClr val="bg2"/>
+            </a:solidFill>
+            <a:ln>
+              <a:noFill/>
+            </a:ln>
+          </p:spPr>
+          <p:style>
+            <a:lnRef idx="2">
+              <a:schemeClr val="accent1">
+                <a:shade val="50000"/>
+              </a:schemeClr>
+            </a:lnRef>
+            <a:fillRef idx="1">
+              <a:schemeClr val="accent1"/>
+            </a:fillRef>
+            <a:effectRef idx="0">
+              <a:schemeClr val="accent1"/>
+            </a:effectRef>
+            <a:fontRef idx="minor">
+              <a:schemeClr val="lt1"/>
+            </a:fontRef>
+          </p:style>
+          <p:txBody>
+            <a:bodyPr wrap="square" rtlCol="0" anchor="ctr">
+              <a:noAutofit/>
+            </a:bodyPr>
+            <a:lstStyle/>
+            <a:p>
+              <a:pPr algn="ctr"/>
+              <a:endParaRPr lang="en-US"/>
+            </a:p>
+          </p:txBody>
+        </p:sp>
+      </p:grpSp>
+      <p:cxnSp>
+        <p:nvCxnSpPr>
+          <p:cNvPr id="18" name="Straight Connector 17">
+            <a:extLst>
+              <a:ext uri="{FF2B5EF4-FFF2-40B4-BE49-F238E27FC236}">
+                <a16:creationId xmlns:a16="http://schemas.microsoft.com/office/drawing/2014/main" id="{EEA70831-9A8D-3B4D-8EA5-EE32F93E94E9}"/>
+              </a:ext>
+              <a:ext uri="{C183D7F6-B498-43B3-948B-1728B52AA6E4}">
+                <adec:decorative xmlns:adec="http://schemas.microsoft.com/office/drawing/2017/decorative" val="1"/>
+              </a:ext>
+            </a:extLst>
+          </p:cNvPr>
+          <p:cNvCxnSpPr>
+            <a:cxnSpLocks noGrp="1" noRot="1" noChangeAspect="1" noMove="1" noResize="1" noEditPoints="1" noAdjustHandles="1" noChangeArrowheads="1" noChangeShapeType="1"/>
+          </p:cNvCxnSpPr>
+          <p:nvPr>
+            <p:extLst>
+              <p:ext uri="{386F3935-93C4-4BCD-93E2-E3B085C9AB24}">
+                <p16:designElem xmlns:p16="http://schemas.microsoft.com/office/powerpoint/2015/main" val="1"/>
+              </p:ext>
+            </p:extLst>
+          </p:nvPr>
+        </p:nvCxnSpPr>
+        <p:spPr>
+          <a:xfrm>
+            <a:off x="565150" y="6087110"/>
+            <a:ext cx="6404372" cy="0"/>
+          </a:xfrm>
+          <a:prstGeom prst="line">
+            <a:avLst/>
+          </a:prstGeom>
+          <a:ln w="12700">
+            <a:solidFill>
+              <a:schemeClr val="bg1">
+                <a:lumMod val="65000"/>
+              </a:schemeClr>
+            </a:solidFill>
+          </a:ln>
+        </p:spPr>
+        <p:style>
+          <a:lnRef idx="1">
+            <a:schemeClr val="accent1"/>
+          </a:lnRef>
+          <a:fillRef idx="0">
+            <a:schemeClr val="accent1"/>
+          </a:fillRef>
+          <a:effectRef idx="0">
+            <a:schemeClr val="accent1"/>
+          </a:effectRef>
+          <a:fontRef idx="minor">
+            <a:schemeClr val="tx1"/>
+          </a:fontRef>
+        </p:style>
+      </p:cxnSp>
+      <p:pic>
+        <p:nvPicPr>
+          <p:cNvPr id="5" name="Graphic 4" descr="Bar graph with upward trend with solid fill">
+            <a:extLst>
+              <a:ext uri="{FF2B5EF4-FFF2-40B4-BE49-F238E27FC236}">
+                <a16:creationId xmlns:a16="http://schemas.microsoft.com/office/drawing/2014/main" id="{BD33BEEA-0C32-ABD5-F883-BC8035AA981C}"/>
+              </a:ext>
+            </a:extLst>
+          </p:cNvPr>
+          <p:cNvPicPr>
+            <a:picLocks noChangeAspect="1"/>
+          </p:cNvPicPr>
+          <p:nvPr/>
+        </p:nvPicPr>
+        <p:blipFill>
+          <a:blip r:embed="rId2">
+            <a:extLst>
+              <a:ext uri="{28A0092B-C50C-407E-A947-70E740481C1C}">
+                <a14:useLocalDpi xmlns:a14="http://schemas.microsoft.com/office/drawing/2010/main" val="0"/>
+              </a:ext>
+              <a:ext uri="{96DAC541-7B7A-43D3-8B79-37D633B846F1}">
+                <asvg:svgBlip xmlns:asvg="http://schemas.microsoft.com/office/drawing/2016/SVG/main" r:embed="rId3"/>
+              </a:ext>
+            </a:extLst>
+          </a:blip>
+          <a:stretch>
+            <a:fillRect/>
+          </a:stretch>
+        </p:blipFill>
+        <p:spPr>
+          <a:xfrm>
+            <a:off x="7534656" y="1423446"/>
+            <a:ext cx="4002456" cy="4002456"/>
+          </a:xfrm>
+          <a:prstGeom prst="rect">
+            <a:avLst/>
+          </a:prstGeom>
+        </p:spPr>
+      </p:pic>
+      <p:cxnSp>
+        <p:nvCxnSpPr>
+          <p:cNvPr id="6" name="Straight Connector 5">
+            <a:extLst>
+              <a:ext uri="{FF2B5EF4-FFF2-40B4-BE49-F238E27FC236}">
+                <a16:creationId xmlns:a16="http://schemas.microsoft.com/office/drawing/2014/main" id="{7BB71BE2-E484-2372-1EB0-97FE8B2F677B}"/>
+              </a:ext>
+            </a:extLst>
+          </p:cNvPr>
+          <p:cNvCxnSpPr>
+            <a:cxnSpLocks/>
+          </p:cNvCxnSpPr>
+          <p:nvPr/>
+        </p:nvCxnSpPr>
+        <p:spPr>
+          <a:xfrm>
+            <a:off x="660401" y="1651508"/>
+            <a:ext cx="4622799" cy="0"/>
+          </a:xfrm>
+          <a:prstGeom prst="line">
+            <a:avLst/>
+          </a:prstGeom>
+        </p:spPr>
+        <p:style>
+          <a:lnRef idx="3">
+            <a:schemeClr val="dk1"/>
+          </a:lnRef>
+          <a:fillRef idx="0">
+            <a:schemeClr val="dk1"/>
+          </a:fillRef>
+          <a:effectRef idx="2">
+            <a:schemeClr val="dk1"/>
+          </a:effectRef>
+          <a:fontRef idx="minor">
+            <a:schemeClr val="tx1"/>
+          </a:fontRef>
+        </p:style>
+      </p:cxnSp>
+    </p:spTree>
+    <p:extLst>
+      <p:ext uri="{BB962C8B-B14F-4D97-AF65-F5344CB8AC3E}">
+        <p14:creationId xmlns:p14="http://schemas.microsoft.com/office/powerpoint/2010/main" val="1494114660"/>
+      </p:ext>
+    </p:extLst>
+  </p:cSld>
+  <p:clrMapOvr>
+    <a:masterClrMapping/>
+  </p:clrMapOvr>
+</p:sld>
+</file>
+
+<file path=ppt/slides/slide11.xml><?xml version="1.0" encoding="utf-8"?>
+<p:sld xmlns:a="http://schemas.openxmlformats.org/drawingml/2006/main" xmlns:r="http://schemas.openxmlformats.org/officeDocument/2006/relationships" xmlns:p="http://schemas.openxmlformats.org/presentationml/2006/main">
+  <p:cSld>
+    <p:bg>
+      <p:bgPr>
+        <a:solidFill>
+          <a:schemeClr val="bg1"/>
+        </a:solidFill>
+        <a:effectLst/>
+      </p:bgPr>
+    </p:bg>
+    <p:spTree>
+      <p:nvGrpSpPr>
+        <p:cNvPr id="1" name=""/>
+        <p:cNvGrpSpPr/>
+        <p:nvPr/>
+      </p:nvGrpSpPr>
+      <p:grpSpPr>
+        <a:xfrm>
+          <a:off x="0" y="0"/>
+          <a:ext cx="0" cy="0"/>
+          <a:chOff x="0" y="0"/>
+          <a:chExt cx="0" cy="0"/>
+        </a:xfrm>
+      </p:grpSpPr>
+      <p:sp useBgFill="1">
+        <p:nvSpPr>
+          <p:cNvPr id="10" name="Rectangle 9">
+            <a:extLst>
+              <a:ext uri="{FF2B5EF4-FFF2-40B4-BE49-F238E27FC236}">
+                <a16:creationId xmlns:a16="http://schemas.microsoft.com/office/drawing/2014/main" id="{4EFE82FE-7465-AE46-88DF-34D347E83B84}"/>
+              </a:ext>
+              <a:ext uri="{C183D7F6-B498-43B3-948B-1728B52AA6E4}">
+                <adec:decorative xmlns:adec="http://schemas.microsoft.com/office/drawing/2017/decorative" val="1"/>
+              </a:ext>
+            </a:extLst>
+          </p:cNvPr>
+          <p:cNvSpPr>
+            <a:spLocks noGrp="1" noRot="1" noChangeAspect="1" noMove="1" noResize="1" noEditPoints="1" noAdjustHandles="1" noChangeArrowheads="1" noChangeShapeType="1" noTextEdit="1"/>
+          </p:cNvSpPr>
+          <p:nvPr>
+            <p:extLst>
+              <p:ext uri="{386F3935-93C4-4BCD-93E2-E3B085C9AB24}">
+                <p16:designElem xmlns:p16="http://schemas.microsoft.com/office/powerpoint/2015/main" val="1"/>
+              </p:ext>
+            </p:extLst>
+          </p:nvPr>
+        </p:nvSpPr>
+        <p:spPr>
+          <a:xfrm>
+            <a:off x="0" y="0"/>
+            <a:ext cx="12192000" cy="6858000"/>
+          </a:xfrm>
+          <a:prstGeom prst="rect">
+            <a:avLst/>
+          </a:prstGeom>
+          <a:ln>
+            <a:noFill/>
+          </a:ln>
+        </p:spPr>
+        <p:style>
+          <a:lnRef idx="2">
+            <a:schemeClr val="accent1">
+              <a:shade val="50000"/>
+            </a:schemeClr>
+          </a:lnRef>
+          <a:fillRef idx="1">
+            <a:schemeClr val="accent1"/>
+          </a:fillRef>
+          <a:effectRef idx="0">
+            <a:schemeClr val="accent1"/>
+          </a:effectRef>
+          <a:fontRef idx="minor">
+            <a:schemeClr val="lt1"/>
+          </a:fontRef>
+        </p:style>
+        <p:txBody>
+          <a:bodyPr rtlCol="0" anchor="ctr"/>
+          <a:lstStyle/>
+          <a:p>
+            <a:pPr algn="ctr"/>
+            <a:endParaRPr lang="en-US"/>
+          </a:p>
+        </p:txBody>
+      </p:sp>
+      <p:sp>
+        <p:nvSpPr>
+          <p:cNvPr id="2" name="Title 1">
+            <a:extLst>
+              <a:ext uri="{FF2B5EF4-FFF2-40B4-BE49-F238E27FC236}">
+                <a16:creationId xmlns:a16="http://schemas.microsoft.com/office/drawing/2014/main" id="{B19BF0EC-EF07-245E-2125-D45385FCC520}"/>
+              </a:ext>
+            </a:extLst>
+          </p:cNvPr>
+          <p:cNvSpPr>
+            <a:spLocks noGrp="1"/>
+          </p:cNvSpPr>
+          <p:nvPr>
+            <p:ph type="title"/>
+          </p:nvPr>
+        </p:nvSpPr>
+        <p:spPr>
+          <a:xfrm>
+            <a:off x="565150" y="770890"/>
+            <a:ext cx="6400999" cy="1268984"/>
+          </a:xfrm>
+        </p:spPr>
+        <p:txBody>
+          <a:bodyPr>
+            <a:normAutofit/>
+          </a:bodyPr>
+          <a:lstStyle/>
+          <a:p>
+            <a:r>
+              <a:rPr lang="en-SG" dirty="0"/>
+              <a:t>Competitive Landscape</a:t>
+            </a:r>
+          </a:p>
+        </p:txBody>
+      </p:sp>
+      <p:sp>
+        <p:nvSpPr>
+          <p:cNvPr id="3" name="Content Placeholder 2">
+            <a:extLst>
+              <a:ext uri="{FF2B5EF4-FFF2-40B4-BE49-F238E27FC236}">
+                <a16:creationId xmlns:a16="http://schemas.microsoft.com/office/drawing/2014/main" id="{B18FE940-AB5A-9EDA-A86D-F5E96A3D5D2D}"/>
+              </a:ext>
+            </a:extLst>
+          </p:cNvPr>
+          <p:cNvSpPr>
+            <a:spLocks noGrp="1"/>
+          </p:cNvSpPr>
+          <p:nvPr>
+            <p:ph idx="1"/>
+          </p:nvPr>
+        </p:nvSpPr>
+        <p:spPr>
+          <a:xfrm>
+            <a:off x="565150" y="2160016"/>
+            <a:ext cx="6400999" cy="3601212"/>
+          </a:xfrm>
+        </p:spPr>
+        <p:txBody>
+          <a:bodyPr>
+            <a:normAutofit/>
+          </a:bodyPr>
+          <a:lstStyle/>
+          <a:p>
+            <a:pPr>
+              <a:lnSpc>
+                <a:spcPct val="90000"/>
+              </a:lnSpc>
+              <a:buFont typeface="Arial" panose="020B0604020202020204" pitchFamily="34" charset="0"/>
+              <a:buChar char="•"/>
+            </a:pPr>
+            <a:r>
+              <a:rPr lang="en-US" b="1" dirty="0"/>
+              <a:t>There are currently no major players in the virtual pet game market that specifically focus on promoting health and fitness.</a:t>
+            </a:r>
+            <a:endParaRPr lang="en-US" b="1"/>
+          </a:p>
+          <a:p>
+            <a:pPr marL="0" indent="0">
+              <a:lnSpc>
+                <a:spcPct val="90000"/>
+              </a:lnSpc>
+              <a:buNone/>
+            </a:pPr>
+            <a:endParaRPr lang="en-US" b="1"/>
+          </a:p>
+          <a:p>
+            <a:pPr>
+              <a:lnSpc>
+                <a:spcPct val="90000"/>
+              </a:lnSpc>
+              <a:buFont typeface="Arial" panose="020B0604020202020204" pitchFamily="34" charset="0"/>
+              <a:buChar char="•"/>
+            </a:pPr>
+            <a:r>
+              <a:rPr lang="en-US" b="1" dirty="0"/>
+              <a:t>Our unique selling proposition is our ability to combine fun and engaging gameplay with a focus on physical activity and healthy habits.</a:t>
+            </a:r>
+            <a:endParaRPr lang="en-US" b="1"/>
+          </a:p>
+          <a:p>
+            <a:pPr>
+              <a:lnSpc>
+                <a:spcPct val="90000"/>
+              </a:lnSpc>
+            </a:pPr>
+            <a:endParaRPr lang="en-SG"/>
+          </a:p>
+        </p:txBody>
+      </p:sp>
+      <p:grpSp>
+        <p:nvGrpSpPr>
+          <p:cNvPr id="12" name="Group 11">
+            <a:extLst>
+              <a:ext uri="{FF2B5EF4-FFF2-40B4-BE49-F238E27FC236}">
+                <a16:creationId xmlns:a16="http://schemas.microsoft.com/office/drawing/2014/main" id="{1B5E71B3-7269-894E-A00B-31D341365FC9}"/>
+              </a:ext>
+              <a:ext uri="{C183D7F6-B498-43B3-948B-1728B52AA6E4}">
+                <adec:decorative xmlns:adec="http://schemas.microsoft.com/office/drawing/2017/decorative" val="1"/>
+              </a:ext>
+            </a:extLst>
+          </p:cNvPr>
+          <p:cNvGrpSpPr>
+            <a:grpSpLocks noGrp="1" noUngrp="1" noRot="1" noChangeAspect="1" noMove="1" noResize="1"/>
+          </p:cNvGrpSpPr>
+          <p:nvPr>
+            <p:extLst>
+              <p:ext uri="{386F3935-93C4-4BCD-93E2-E3B085C9AB24}">
+                <p16:designElem xmlns:p16="http://schemas.microsoft.com/office/powerpoint/2015/main" val="1"/>
+              </p:ext>
+            </p:extLst>
+          </p:nvPr>
+        </p:nvGrpSpPr>
+        <p:grpSpPr>
+          <a:xfrm>
+            <a:off x="10290315" y="0"/>
+            <a:ext cx="1901686" cy="4677439"/>
+            <a:chOff x="10290315" y="0"/>
+            <a:chExt cx="1901686" cy="4677439"/>
+          </a:xfrm>
+        </p:grpSpPr>
+        <p:sp>
+          <p:nvSpPr>
+            <p:cNvPr id="13" name="Freeform 85">
+              <a:extLst>
+                <a:ext uri="{FF2B5EF4-FFF2-40B4-BE49-F238E27FC236}">
+                  <a16:creationId xmlns:a16="http://schemas.microsoft.com/office/drawing/2014/main" id="{FFFA3A20-1539-CC4A-9BE1-7415FE5A98C6}"/>
+                </a:ext>
+                <a:ext uri="{C183D7F6-B498-43B3-948B-1728B52AA6E4}">
+                  <adec:decorative xmlns:adec="http://schemas.microsoft.com/office/drawing/2017/decorative" val="1"/>
+                </a:ext>
+              </a:extLst>
+            </p:cNvPr>
+            <p:cNvSpPr/>
+            <p:nvPr>
+              <p:extLst>
+                <p:ext uri="{386F3935-93C4-4BCD-93E2-E3B085C9AB24}">
+                  <p16:designElem xmlns:p16="http://schemas.microsoft.com/office/powerpoint/2015/main" val="1"/>
+                </p:ext>
+              </p:extLst>
+            </p:nvPr>
+          </p:nvSpPr>
+          <p:spPr>
+            <a:xfrm>
+              <a:off x="10290315" y="0"/>
+              <a:ext cx="1130724" cy="565573"/>
+            </a:xfrm>
+            <a:custGeom>
+              <a:avLst/>
+              <a:gdLst>
+                <a:gd name="connsiteX0" fmla="*/ 21 w 1130724"/>
+                <a:gd name="connsiteY0" fmla="*/ 0 h 565573"/>
+                <a:gd name="connsiteX1" fmla="*/ 1130703 w 1130724"/>
+                <a:gd name="connsiteY1" fmla="*/ 0 h 565573"/>
+                <a:gd name="connsiteX2" fmla="*/ 1130724 w 1130724"/>
+                <a:gd name="connsiteY2" fmla="*/ 211 h 565573"/>
+                <a:gd name="connsiteX3" fmla="*/ 565362 w 1130724"/>
+                <a:gd name="connsiteY3" fmla="*/ 565573 h 565573"/>
+                <a:gd name="connsiteX4" fmla="*/ 0 w 1130724"/>
+                <a:gd name="connsiteY4" fmla="*/ 211 h 565573"/>
+              </a:gdLst>
+              <a:ahLst/>
+              <a:cxnLst>
+                <a:cxn ang="0">
+                  <a:pos x="connsiteX0" y="connsiteY0"/>
+                </a:cxn>
+                <a:cxn ang="0">
+                  <a:pos x="connsiteX1" y="connsiteY1"/>
+                </a:cxn>
+                <a:cxn ang="0">
+                  <a:pos x="connsiteX2" y="connsiteY2"/>
+                </a:cxn>
+                <a:cxn ang="0">
+                  <a:pos x="connsiteX3" y="connsiteY3"/>
+                </a:cxn>
+                <a:cxn ang="0">
+                  <a:pos x="connsiteX4" y="connsiteY4"/>
+                </a:cxn>
+              </a:cxnLst>
+              <a:rect l="l" t="t" r="r" b="b"/>
+              <a:pathLst>
+                <a:path w="1130724" h="565573">
+                  <a:moveTo>
+                    <a:pt x="21" y="0"/>
+                  </a:moveTo>
+                  <a:lnTo>
+                    <a:pt x="1130703" y="0"/>
+                  </a:lnTo>
+                  <a:lnTo>
+                    <a:pt x="1130724" y="211"/>
+                  </a:lnTo>
+                  <a:cubicBezTo>
+                    <a:pt x="1130724" y="312452"/>
+                    <a:pt x="877603" y="565573"/>
+                    <a:pt x="565362" y="565573"/>
+                  </a:cubicBezTo>
+                  <a:cubicBezTo>
+                    <a:pt x="253121" y="565573"/>
+                    <a:pt x="0" y="312452"/>
+                    <a:pt x="0" y="211"/>
+                  </a:cubicBezTo>
+                  <a:close/>
+                </a:path>
+              </a:pathLst>
+            </a:custGeom>
+            <a:solidFill>
+              <a:schemeClr val="bg2"/>
+            </a:solidFill>
+            <a:ln>
+              <a:noFill/>
+            </a:ln>
+          </p:spPr>
+          <p:style>
+            <a:lnRef idx="2">
+              <a:schemeClr val="accent1">
+                <a:shade val="50000"/>
+              </a:schemeClr>
+            </a:lnRef>
+            <a:fillRef idx="1">
+              <a:schemeClr val="accent1"/>
+            </a:fillRef>
+            <a:effectRef idx="0">
+              <a:schemeClr val="accent1"/>
+            </a:effectRef>
+            <a:fontRef idx="minor">
+              <a:schemeClr val="lt1"/>
+            </a:fontRef>
+          </p:style>
+          <p:txBody>
+            <a:bodyPr wrap="square" rtlCol="0" anchor="ctr">
+              <a:noAutofit/>
+            </a:bodyPr>
+            <a:lstStyle/>
+            <a:p>
+              <a:pPr algn="ctr"/>
+              <a:endParaRPr lang="en-US"/>
+            </a:p>
+          </p:txBody>
+        </p:sp>
+        <p:sp>
+          <p:nvSpPr>
+            <p:cNvPr id="14" name="Freeform 87">
+              <a:extLst>
+                <a:ext uri="{FF2B5EF4-FFF2-40B4-BE49-F238E27FC236}">
+                  <a16:creationId xmlns:a16="http://schemas.microsoft.com/office/drawing/2014/main" id="{44EBCCFB-8EAB-2442-8E02-293F08D50B5C}"/>
+                </a:ext>
+                <a:ext uri="{C183D7F6-B498-43B3-948B-1728B52AA6E4}">
+                  <adec:decorative xmlns:adec="http://schemas.microsoft.com/office/drawing/2017/decorative" val="1"/>
+                </a:ext>
+              </a:extLst>
+            </p:cNvPr>
+            <p:cNvSpPr/>
+            <p:nvPr>
+              <p:extLst>
+                <p:ext uri="{386F3935-93C4-4BCD-93E2-E3B085C9AB24}">
+                  <p16:designElem xmlns:p16="http://schemas.microsoft.com/office/powerpoint/2015/main" val="1"/>
+                </p:ext>
+              </p:extLst>
+            </p:nvPr>
+          </p:nvSpPr>
+          <p:spPr>
+            <a:xfrm>
+              <a:off x="11653180" y="3552066"/>
+              <a:ext cx="538821" cy="1125373"/>
+            </a:xfrm>
+            <a:custGeom>
+              <a:avLst/>
+              <a:gdLst>
+                <a:gd name="connsiteX0" fmla="*/ 538821 w 538821"/>
+                <a:gd name="connsiteY0" fmla="*/ 0 h 1125373"/>
+                <a:gd name="connsiteX1" fmla="*/ 538821 w 538821"/>
+                <a:gd name="connsiteY1" fmla="*/ 1125373 h 1125373"/>
+                <a:gd name="connsiteX2" fmla="*/ 451422 w 538821"/>
+                <a:gd name="connsiteY2" fmla="*/ 1116562 h 1125373"/>
+                <a:gd name="connsiteX3" fmla="*/ 0 w 538821"/>
+                <a:gd name="connsiteY3" fmla="*/ 562686 h 1125373"/>
+                <a:gd name="connsiteX4" fmla="*/ 451422 w 538821"/>
+                <a:gd name="connsiteY4" fmla="*/ 8810 h 1125373"/>
+              </a:gdLst>
+              <a:ahLst/>
+              <a:cxnLst>
+                <a:cxn ang="0">
+                  <a:pos x="connsiteX0" y="connsiteY0"/>
+                </a:cxn>
+                <a:cxn ang="0">
+                  <a:pos x="connsiteX1" y="connsiteY1"/>
+                </a:cxn>
+                <a:cxn ang="0">
+                  <a:pos x="connsiteX2" y="connsiteY2"/>
+                </a:cxn>
+                <a:cxn ang="0">
+                  <a:pos x="connsiteX3" y="connsiteY3"/>
+                </a:cxn>
+                <a:cxn ang="0">
+                  <a:pos x="connsiteX4" y="connsiteY4"/>
+                </a:cxn>
+              </a:cxnLst>
+              <a:rect l="l" t="t" r="r" b="b"/>
+              <a:pathLst>
+                <a:path w="538821" h="1125373">
+                  <a:moveTo>
+                    <a:pt x="538821" y="0"/>
+                  </a:moveTo>
+                  <a:lnTo>
+                    <a:pt x="538821" y="1125373"/>
+                  </a:lnTo>
+                  <a:lnTo>
+                    <a:pt x="451422" y="1116562"/>
+                  </a:lnTo>
+                  <a:cubicBezTo>
+                    <a:pt x="193796" y="1063844"/>
+                    <a:pt x="0" y="835897"/>
+                    <a:pt x="0" y="562686"/>
+                  </a:cubicBezTo>
+                  <a:cubicBezTo>
+                    <a:pt x="0" y="289475"/>
+                    <a:pt x="193796" y="61528"/>
+                    <a:pt x="451422" y="8810"/>
+                  </a:cubicBezTo>
+                  <a:close/>
+                </a:path>
+              </a:pathLst>
+            </a:custGeom>
+            <a:solidFill>
+              <a:schemeClr val="bg2"/>
+            </a:solidFill>
+            <a:ln>
+              <a:noFill/>
+            </a:ln>
+          </p:spPr>
+          <p:style>
+            <a:lnRef idx="2">
+              <a:schemeClr val="accent1">
+                <a:shade val="50000"/>
+              </a:schemeClr>
+            </a:lnRef>
+            <a:fillRef idx="1">
+              <a:schemeClr val="accent1"/>
+            </a:fillRef>
+            <a:effectRef idx="0">
+              <a:schemeClr val="accent1"/>
+            </a:effectRef>
+            <a:fontRef idx="minor">
+              <a:schemeClr val="lt1"/>
+            </a:fontRef>
+          </p:style>
+          <p:txBody>
+            <a:bodyPr wrap="square" rtlCol="0" anchor="ctr">
+              <a:noAutofit/>
+            </a:bodyPr>
+            <a:lstStyle/>
+            <a:p>
+              <a:pPr algn="ctr"/>
+              <a:endParaRPr lang="en-US"/>
+            </a:p>
+          </p:txBody>
+        </p:sp>
+        <p:sp>
+          <p:nvSpPr>
+            <p:cNvPr id="15" name="Freeform 89">
+              <a:extLst>
+                <a:ext uri="{FF2B5EF4-FFF2-40B4-BE49-F238E27FC236}">
+                  <a16:creationId xmlns:a16="http://schemas.microsoft.com/office/drawing/2014/main" id="{AFD14830-CC36-D64E-8173-3980425632A8}"/>
+                </a:ext>
+                <a:ext uri="{C183D7F6-B498-43B3-948B-1728B52AA6E4}">
+                  <adec:decorative xmlns:adec="http://schemas.microsoft.com/office/drawing/2017/decorative" val="1"/>
+                </a:ext>
+              </a:extLst>
+            </p:cNvPr>
+            <p:cNvSpPr/>
+            <p:nvPr>
+              <p:extLst>
+                <p:ext uri="{386F3935-93C4-4BCD-93E2-E3B085C9AB24}">
+                  <p16:designElem xmlns:p16="http://schemas.microsoft.com/office/powerpoint/2015/main" val="1"/>
+                </p:ext>
+              </p:extLst>
+            </p:nvPr>
+          </p:nvSpPr>
+          <p:spPr>
+            <a:xfrm>
+              <a:off x="11653180" y="809039"/>
+              <a:ext cx="538821" cy="1125373"/>
+            </a:xfrm>
+            <a:custGeom>
+              <a:avLst/>
+              <a:gdLst>
+                <a:gd name="connsiteX0" fmla="*/ 538821 w 538821"/>
+                <a:gd name="connsiteY0" fmla="*/ 0 h 1125373"/>
+                <a:gd name="connsiteX1" fmla="*/ 538821 w 538821"/>
+                <a:gd name="connsiteY1" fmla="*/ 1125373 h 1125373"/>
+                <a:gd name="connsiteX2" fmla="*/ 451422 w 538821"/>
+                <a:gd name="connsiteY2" fmla="*/ 1116562 h 1125373"/>
+                <a:gd name="connsiteX3" fmla="*/ 0 w 538821"/>
+                <a:gd name="connsiteY3" fmla="*/ 562686 h 1125373"/>
+                <a:gd name="connsiteX4" fmla="*/ 451422 w 538821"/>
+                <a:gd name="connsiteY4" fmla="*/ 8810 h 1125373"/>
+              </a:gdLst>
+              <a:ahLst/>
+              <a:cxnLst>
+                <a:cxn ang="0">
+                  <a:pos x="connsiteX0" y="connsiteY0"/>
+                </a:cxn>
+                <a:cxn ang="0">
+                  <a:pos x="connsiteX1" y="connsiteY1"/>
+                </a:cxn>
+                <a:cxn ang="0">
+                  <a:pos x="connsiteX2" y="connsiteY2"/>
+                </a:cxn>
+                <a:cxn ang="0">
+                  <a:pos x="connsiteX3" y="connsiteY3"/>
+                </a:cxn>
+                <a:cxn ang="0">
+                  <a:pos x="connsiteX4" y="connsiteY4"/>
+                </a:cxn>
+              </a:cxnLst>
+              <a:rect l="l" t="t" r="r" b="b"/>
+              <a:pathLst>
+                <a:path w="538821" h="1125373">
+                  <a:moveTo>
+                    <a:pt x="538821" y="0"/>
+                  </a:moveTo>
+                  <a:lnTo>
+                    <a:pt x="538821" y="1125373"/>
+                  </a:lnTo>
+                  <a:lnTo>
+                    <a:pt x="451422" y="1116562"/>
+                  </a:lnTo>
+                  <a:cubicBezTo>
+                    <a:pt x="193796" y="1063844"/>
+                    <a:pt x="0" y="835897"/>
+                    <a:pt x="0" y="562686"/>
+                  </a:cubicBezTo>
+                  <a:cubicBezTo>
+                    <a:pt x="0" y="289475"/>
+                    <a:pt x="193796" y="61528"/>
+                    <a:pt x="451422" y="8810"/>
+                  </a:cubicBezTo>
+                  <a:close/>
+                </a:path>
+              </a:pathLst>
+            </a:custGeom>
+            <a:solidFill>
+              <a:schemeClr val="accent1"/>
+            </a:solidFill>
+            <a:ln>
+              <a:noFill/>
+            </a:ln>
+          </p:spPr>
+          <p:style>
+            <a:lnRef idx="2">
+              <a:schemeClr val="accent1">
+                <a:shade val="50000"/>
+              </a:schemeClr>
+            </a:lnRef>
+            <a:fillRef idx="1">
+              <a:schemeClr val="accent1"/>
+            </a:fillRef>
+            <a:effectRef idx="0">
+              <a:schemeClr val="accent1"/>
+            </a:effectRef>
+            <a:fontRef idx="minor">
+              <a:schemeClr val="lt1"/>
+            </a:fontRef>
+          </p:style>
+          <p:txBody>
+            <a:bodyPr wrap="square" rtlCol="0" anchor="ctr">
+              <a:noAutofit/>
+            </a:bodyPr>
+            <a:lstStyle/>
+            <a:p>
+              <a:pPr algn="ctr"/>
+              <a:endParaRPr lang="en-US"/>
+            </a:p>
+          </p:txBody>
+        </p:sp>
+        <p:sp>
+          <p:nvSpPr>
+            <p:cNvPr id="16" name="Freeform 97">
+              <a:extLst>
+                <a:ext uri="{FF2B5EF4-FFF2-40B4-BE49-F238E27FC236}">
+                  <a16:creationId xmlns:a16="http://schemas.microsoft.com/office/drawing/2014/main" id="{FAA40AB8-EB6E-A44D-B3CA-7D25B64F5A4D}"/>
+                </a:ext>
+                <a:ext uri="{C183D7F6-B498-43B3-948B-1728B52AA6E4}">
+                  <adec:decorative xmlns:adec="http://schemas.microsoft.com/office/drawing/2017/decorative" val="1"/>
+                </a:ext>
+              </a:extLst>
+            </p:cNvPr>
+            <p:cNvSpPr/>
+            <p:nvPr>
+              <p:extLst>
+                <p:ext uri="{386F3935-93C4-4BCD-93E2-E3B085C9AB24}">
+                  <p16:designElem xmlns:p16="http://schemas.microsoft.com/office/powerpoint/2015/main" val="1"/>
+                </p:ext>
+              </p:extLst>
+            </p:nvPr>
+          </p:nvSpPr>
+          <p:spPr>
+            <a:xfrm>
+              <a:off x="11653180" y="0"/>
+              <a:ext cx="538821" cy="562898"/>
+            </a:xfrm>
+            <a:custGeom>
+              <a:avLst/>
+              <a:gdLst>
+                <a:gd name="connsiteX0" fmla="*/ 21 w 538821"/>
+                <a:gd name="connsiteY0" fmla="*/ 0 h 562898"/>
+                <a:gd name="connsiteX1" fmla="*/ 538821 w 538821"/>
+                <a:gd name="connsiteY1" fmla="*/ 0 h 562898"/>
+                <a:gd name="connsiteX2" fmla="*/ 538821 w 538821"/>
+                <a:gd name="connsiteY2" fmla="*/ 562898 h 562898"/>
+                <a:gd name="connsiteX3" fmla="*/ 451422 w 538821"/>
+                <a:gd name="connsiteY3" fmla="*/ 554087 h 562898"/>
+                <a:gd name="connsiteX4" fmla="*/ 0 w 538821"/>
+                <a:gd name="connsiteY4" fmla="*/ 211 h 562898"/>
+              </a:gdLst>
+              <a:ahLst/>
+              <a:cxnLst>
+                <a:cxn ang="0">
+                  <a:pos x="connsiteX0" y="connsiteY0"/>
+                </a:cxn>
+                <a:cxn ang="0">
+                  <a:pos x="connsiteX1" y="connsiteY1"/>
+                </a:cxn>
+                <a:cxn ang="0">
+                  <a:pos x="connsiteX2" y="connsiteY2"/>
+                </a:cxn>
+                <a:cxn ang="0">
+                  <a:pos x="connsiteX3" y="connsiteY3"/>
+                </a:cxn>
+                <a:cxn ang="0">
+                  <a:pos x="connsiteX4" y="connsiteY4"/>
+                </a:cxn>
+              </a:cxnLst>
+              <a:rect l="l" t="t" r="r" b="b"/>
+              <a:pathLst>
+                <a:path w="538821" h="562898">
+                  <a:moveTo>
+                    <a:pt x="21" y="0"/>
+                  </a:moveTo>
+                  <a:lnTo>
+                    <a:pt x="538821" y="0"/>
+                  </a:lnTo>
+                  <a:lnTo>
+                    <a:pt x="538821" y="562898"/>
+                  </a:lnTo>
+                  <a:lnTo>
+                    <a:pt x="451422" y="554087"/>
+                  </a:lnTo>
+                  <a:cubicBezTo>
+                    <a:pt x="193796" y="501369"/>
+                    <a:pt x="0" y="273422"/>
+                    <a:pt x="0" y="211"/>
+                  </a:cubicBezTo>
+                  <a:close/>
+                </a:path>
+              </a:pathLst>
+            </a:custGeom>
+            <a:solidFill>
+              <a:schemeClr val="bg2"/>
+            </a:solidFill>
+            <a:ln>
+              <a:noFill/>
+            </a:ln>
+          </p:spPr>
+          <p:style>
+            <a:lnRef idx="2">
+              <a:schemeClr val="accent1">
+                <a:shade val="50000"/>
+              </a:schemeClr>
+            </a:lnRef>
+            <a:fillRef idx="1">
+              <a:schemeClr val="accent1"/>
+            </a:fillRef>
+            <a:effectRef idx="0">
+              <a:schemeClr val="accent1"/>
+            </a:effectRef>
+            <a:fontRef idx="minor">
+              <a:schemeClr val="lt1"/>
+            </a:fontRef>
+          </p:style>
+          <p:txBody>
+            <a:bodyPr wrap="square" rtlCol="0" anchor="ctr">
+              <a:noAutofit/>
+            </a:bodyPr>
+            <a:lstStyle/>
+            <a:p>
+              <a:pPr algn="ctr"/>
+              <a:endParaRPr lang="en-US"/>
+            </a:p>
+          </p:txBody>
+        </p:sp>
+      </p:grpSp>
+      <p:cxnSp>
+        <p:nvCxnSpPr>
+          <p:cNvPr id="18" name="Straight Connector 17">
+            <a:extLst>
+              <a:ext uri="{FF2B5EF4-FFF2-40B4-BE49-F238E27FC236}">
+                <a16:creationId xmlns:a16="http://schemas.microsoft.com/office/drawing/2014/main" id="{EEA70831-9A8D-3B4D-8EA5-EE32F93E94E9}"/>
+              </a:ext>
+              <a:ext uri="{C183D7F6-B498-43B3-948B-1728B52AA6E4}">
+                <adec:decorative xmlns:adec="http://schemas.microsoft.com/office/drawing/2017/decorative" val="1"/>
+              </a:ext>
+            </a:extLst>
+          </p:cNvPr>
+          <p:cNvCxnSpPr>
+            <a:cxnSpLocks noGrp="1" noRot="1" noChangeAspect="1" noMove="1" noResize="1" noEditPoints="1" noAdjustHandles="1" noChangeArrowheads="1" noChangeShapeType="1"/>
+          </p:cNvCxnSpPr>
+          <p:nvPr>
+            <p:extLst>
+              <p:ext uri="{386F3935-93C4-4BCD-93E2-E3B085C9AB24}">
+                <p16:designElem xmlns:p16="http://schemas.microsoft.com/office/powerpoint/2015/main" val="1"/>
+              </p:ext>
+            </p:extLst>
+          </p:nvPr>
+        </p:nvCxnSpPr>
+        <p:spPr>
+          <a:xfrm>
+            <a:off x="565150" y="6087110"/>
+            <a:ext cx="6404372" cy="0"/>
+          </a:xfrm>
+          <a:prstGeom prst="line">
+            <a:avLst/>
+          </a:prstGeom>
+          <a:ln w="12700">
+            <a:solidFill>
+              <a:schemeClr val="bg1">
+                <a:lumMod val="65000"/>
+              </a:schemeClr>
+            </a:solidFill>
+          </a:ln>
+        </p:spPr>
+        <p:style>
+          <a:lnRef idx="1">
+            <a:schemeClr val="accent1"/>
+          </a:lnRef>
+          <a:fillRef idx="0">
+            <a:schemeClr val="accent1"/>
+          </a:fillRef>
+          <a:effectRef idx="0">
+            <a:schemeClr val="accent1"/>
+          </a:effectRef>
+          <a:fontRef idx="minor">
+            <a:schemeClr val="tx1"/>
+          </a:fontRef>
+        </p:style>
+      </p:cxnSp>
+      <p:pic>
+        <p:nvPicPr>
+          <p:cNvPr id="5" name="Graphic 4" descr="Competition outline">
+            <a:extLst>
+              <a:ext uri="{FF2B5EF4-FFF2-40B4-BE49-F238E27FC236}">
+                <a16:creationId xmlns:a16="http://schemas.microsoft.com/office/drawing/2014/main" id="{F55FCEA0-4E4E-3C0A-C218-4F1077E71C99}"/>
+              </a:ext>
+            </a:extLst>
+          </p:cNvPr>
+          <p:cNvPicPr>
+            <a:picLocks noChangeAspect="1"/>
+          </p:cNvPicPr>
+          <p:nvPr/>
+        </p:nvPicPr>
+        <p:blipFill>
+          <a:blip r:embed="rId2">
+            <a:extLst>
+              <a:ext uri="{28A0092B-C50C-407E-A947-70E740481C1C}">
+                <a14:useLocalDpi xmlns:a14="http://schemas.microsoft.com/office/drawing/2010/main" val="0"/>
+              </a:ext>
+              <a:ext uri="{96DAC541-7B7A-43D3-8B79-37D633B846F1}">
+                <asvg:svgBlip xmlns:asvg="http://schemas.microsoft.com/office/drawing/2016/SVG/main" r:embed="rId3"/>
+              </a:ext>
+            </a:extLst>
+          </a:blip>
+          <a:stretch>
+            <a:fillRect/>
+          </a:stretch>
+        </p:blipFill>
+        <p:spPr>
+          <a:xfrm>
+            <a:off x="7534656" y="1423446"/>
+            <a:ext cx="4002456" cy="4002456"/>
+          </a:xfrm>
+          <a:prstGeom prst="rect">
+            <a:avLst/>
+          </a:prstGeom>
+        </p:spPr>
+      </p:pic>
+      <p:cxnSp>
+        <p:nvCxnSpPr>
+          <p:cNvPr id="6" name="Straight Connector 5">
+            <a:extLst>
+              <a:ext uri="{FF2B5EF4-FFF2-40B4-BE49-F238E27FC236}">
+                <a16:creationId xmlns:a16="http://schemas.microsoft.com/office/drawing/2014/main" id="{668F19C3-18D4-BB99-CF2D-1CBCED2F93DA}"/>
+              </a:ext>
+            </a:extLst>
+          </p:cNvPr>
+          <p:cNvCxnSpPr>
+            <a:cxnSpLocks/>
+          </p:cNvCxnSpPr>
+          <p:nvPr/>
+        </p:nvCxnSpPr>
+        <p:spPr>
+          <a:xfrm>
+            <a:off x="677334" y="1575308"/>
+            <a:ext cx="6070599" cy="0"/>
+          </a:xfrm>
+          <a:prstGeom prst="line">
+            <a:avLst/>
+          </a:prstGeom>
+        </p:spPr>
+        <p:style>
+          <a:lnRef idx="3">
+            <a:schemeClr val="dk1"/>
+          </a:lnRef>
+          <a:fillRef idx="0">
+            <a:schemeClr val="dk1"/>
+          </a:fillRef>
+          <a:effectRef idx="2">
+            <a:schemeClr val="dk1"/>
+          </a:effectRef>
+          <a:fontRef idx="minor">
+            <a:schemeClr val="tx1"/>
+          </a:fontRef>
+        </p:style>
+      </p:cxnSp>
+    </p:spTree>
+    <p:extLst>
+      <p:ext uri="{BB962C8B-B14F-4D97-AF65-F5344CB8AC3E}">
+        <p14:creationId xmlns:p14="http://schemas.microsoft.com/office/powerpoint/2010/main" val="3237371224"/>
+      </p:ext>
+    </p:extLst>
+  </p:cSld>
+  <p:clrMapOvr>
+    <a:masterClrMapping/>
+  </p:clrMapOvr>
+</p:sld>
+</file>
+
+<file path=ppt/slides/slide12.xml><?xml version="1.0" encoding="utf-8"?>
+<p:sld xmlns:a="http://schemas.openxmlformats.org/drawingml/2006/main" xmlns:r="http://schemas.openxmlformats.org/officeDocument/2006/relationships" xmlns:p="http://schemas.openxmlformats.org/presentationml/2006/main">
+  <p:cSld>
     <p:spTree>
       <p:nvGrpSpPr>
         <p:cNvPr id="1" name=""/>
@@ -15866,35 +17542,35 @@
           <a:lstStyle/>
           <a:p>
             <a:r>
-              <a:rPr lang="en-US" dirty="0"/>
+              <a:rPr lang="en-US" b="1" dirty="0"/>
               <a:t>If your goal for the week is 70,000 steps for a week, a progress bar is shown next to your pet which is linked to the data received from your </a:t>
             </a:r>
             <a:r>
-              <a:rPr lang="en-US" dirty="0" err="1"/>
+              <a:rPr lang="en-US" b="1" dirty="0" err="1"/>
               <a:t>FitBit</a:t>
             </a:r>
             <a:r>
-              <a:rPr lang="en-US" dirty="0"/>
+              <a:rPr lang="en-US" b="1" dirty="0"/>
               <a:t> and </a:t>
             </a:r>
             <a:r>
-              <a:rPr lang="en-US" dirty="0" err="1"/>
+              <a:rPr lang="en-US" b="1" dirty="0" err="1"/>
               <a:t>AppleWatch</a:t>
             </a:r>
             <a:r>
-              <a:rPr lang="en-US" dirty="0"/>
+              <a:rPr lang="en-US" b="1" dirty="0"/>
               <a:t>.</a:t>
             </a:r>
           </a:p>
           <a:p>
-            <a:endParaRPr lang="en-US" dirty="0"/>
+            <a:endParaRPr lang="en-US" b="1" dirty="0"/>
           </a:p>
           <a:p>
             <a:r>
-              <a:rPr lang="en-US" dirty="0"/>
+              <a:rPr lang="en-US" b="1" dirty="0"/>
               <a:t>If you achieve your goal by the designated time, your pet evolves.</a:t>
             </a:r>
-            <a:endParaRPr lang="en-SG" dirty="0"/>
+            <a:endParaRPr lang="en-SG" b="1" dirty="0"/>
           </a:p>
         </p:txBody>
       </p:sp>
@@ -18374,7 +20050,853 @@
       </p:grpSpPr>
       <p:sp useBgFill="1">
         <p:nvSpPr>
-          <p:cNvPr id="10" name="Rectangle 9">
+          <p:cNvPr id="12" name="Rectangle 11">
+            <a:extLst>
+              <a:ext uri="{FF2B5EF4-FFF2-40B4-BE49-F238E27FC236}">
+                <a16:creationId xmlns:a16="http://schemas.microsoft.com/office/drawing/2014/main" id="{C7F2E4D6-EF46-1C43-8F3E-3620C3C83F36}"/>
+              </a:ext>
+              <a:ext uri="{C183D7F6-B498-43B3-948B-1728B52AA6E4}">
+                <adec:decorative xmlns:adec="http://schemas.microsoft.com/office/drawing/2017/decorative" val="1"/>
+              </a:ext>
+            </a:extLst>
+          </p:cNvPr>
+          <p:cNvSpPr>
+            <a:spLocks noGrp="1" noRot="1" noChangeAspect="1" noMove="1" noResize="1" noEditPoints="1" noAdjustHandles="1" noChangeArrowheads="1" noChangeShapeType="1" noTextEdit="1"/>
+          </p:cNvSpPr>
+          <p:nvPr>
+            <p:extLst>
+              <p:ext uri="{386F3935-93C4-4BCD-93E2-E3B085C9AB24}">
+                <p16:designElem xmlns:p16="http://schemas.microsoft.com/office/powerpoint/2015/main" val="1"/>
+              </p:ext>
+            </p:extLst>
+          </p:nvPr>
+        </p:nvSpPr>
+        <p:spPr>
+          <a:xfrm>
+            <a:off x="0" y="0"/>
+            <a:ext cx="12192000" cy="6858000"/>
+          </a:xfrm>
+          <a:prstGeom prst="rect">
+            <a:avLst/>
+          </a:prstGeom>
+          <a:ln>
+            <a:noFill/>
+          </a:ln>
+        </p:spPr>
+        <p:style>
+          <a:lnRef idx="2">
+            <a:schemeClr val="accent1">
+              <a:shade val="50000"/>
+            </a:schemeClr>
+          </a:lnRef>
+          <a:fillRef idx="1">
+            <a:schemeClr val="accent1"/>
+          </a:fillRef>
+          <a:effectRef idx="0">
+            <a:schemeClr val="accent1"/>
+          </a:effectRef>
+          <a:fontRef idx="minor">
+            <a:schemeClr val="lt1"/>
+          </a:fontRef>
+        </p:style>
+        <p:txBody>
+          <a:bodyPr rtlCol="0" anchor="ctr"/>
+          <a:lstStyle/>
+          <a:p>
+            <a:pPr algn="ctr"/>
+            <a:endParaRPr lang="en-US"/>
+          </a:p>
+        </p:txBody>
+      </p:sp>
+      <p:sp>
+        <p:nvSpPr>
+          <p:cNvPr id="2" name="Title 1">
+            <a:extLst>
+              <a:ext uri="{FF2B5EF4-FFF2-40B4-BE49-F238E27FC236}">
+                <a16:creationId xmlns:a16="http://schemas.microsoft.com/office/drawing/2014/main" id="{9CD0335D-512B-C1C6-A6A1-745876C4775B}"/>
+              </a:ext>
+            </a:extLst>
+          </p:cNvPr>
+          <p:cNvSpPr>
+            <a:spLocks noGrp="1"/>
+          </p:cNvSpPr>
+          <p:nvPr>
+            <p:ph type="title"/>
+          </p:nvPr>
+        </p:nvSpPr>
+        <p:spPr>
+          <a:xfrm>
+            <a:off x="565150" y="770890"/>
+            <a:ext cx="7668997" cy="1268984"/>
+          </a:xfrm>
+        </p:spPr>
+        <p:txBody>
+          <a:bodyPr>
+            <a:normAutofit/>
+          </a:bodyPr>
+          <a:lstStyle/>
+          <a:p>
+            <a:r>
+              <a:rPr lang="en-SG" dirty="0"/>
+              <a:t>Future Developments	V1</a:t>
+            </a:r>
+          </a:p>
+        </p:txBody>
+      </p:sp>
+      <p:sp>
+        <p:nvSpPr>
+          <p:cNvPr id="3" name="Content Placeholder 2">
+            <a:extLst>
+              <a:ext uri="{FF2B5EF4-FFF2-40B4-BE49-F238E27FC236}">
+                <a16:creationId xmlns:a16="http://schemas.microsoft.com/office/drawing/2014/main" id="{73588F9E-EFB5-6E29-7CCD-9A2F2A32D3C6}"/>
+              </a:ext>
+            </a:extLst>
+          </p:cNvPr>
+          <p:cNvSpPr>
+            <a:spLocks noGrp="1"/>
+          </p:cNvSpPr>
+          <p:nvPr>
+            <p:ph idx="1"/>
+          </p:nvPr>
+        </p:nvSpPr>
+        <p:spPr>
+          <a:xfrm>
+            <a:off x="565150" y="2160016"/>
+            <a:ext cx="7668997" cy="3601212"/>
+          </a:xfrm>
+        </p:spPr>
+        <p:txBody>
+          <a:bodyPr>
+            <a:normAutofit fontScale="85000" lnSpcReduction="20000"/>
+          </a:bodyPr>
+          <a:lstStyle/>
+          <a:p>
+            <a:r>
+              <a:rPr lang="en-US" b="1" dirty="0"/>
+              <a:t>Currency is going to be called </a:t>
+            </a:r>
+            <a:r>
+              <a:rPr lang="en-US" b="1" dirty="0" err="1"/>
+              <a:t>PetCoins</a:t>
+            </a:r>
+            <a:r>
+              <a:rPr lang="en-US" b="1" dirty="0"/>
+              <a:t>. equation to calculate </a:t>
+            </a:r>
+            <a:r>
+              <a:rPr lang="en-US" b="1" dirty="0" err="1"/>
+              <a:t>PetCoins</a:t>
+            </a:r>
+            <a:r>
+              <a:rPr lang="en-US" b="1" dirty="0"/>
+              <a:t>: (0.25 x activity seconds + 0.75 x steps walked)/100</a:t>
+            </a:r>
+            <a:endParaRPr lang="en-SG" b="1" dirty="0"/>
+          </a:p>
+          <a:p>
+            <a:r>
+              <a:rPr lang="en-SG" b="1" dirty="0"/>
+              <a:t>When a new egg is purchased, it takes time to hatch it and create the pet. </a:t>
+            </a:r>
+          </a:p>
+          <a:p>
+            <a:r>
+              <a:rPr lang="en-SG" b="1" dirty="0"/>
+              <a:t>The user should be allowed to use steps walked to speed up the hatching process.</a:t>
+            </a:r>
+          </a:p>
+          <a:p>
+            <a:r>
+              <a:rPr lang="en-SG" b="1" dirty="0"/>
+              <a:t>This can be achieved by implementing a timer and displaying the remaining time to the user using a progress bar. </a:t>
+            </a:r>
+          </a:p>
+          <a:p>
+            <a:r>
+              <a:rPr lang="en-SG" b="1" dirty="0"/>
+              <a:t>When the timer reaches 0, the egg should hatch and the new pet should be added to the users collection.</a:t>
+            </a:r>
+          </a:p>
+          <a:p>
+            <a:endParaRPr lang="en-SG" dirty="0"/>
+          </a:p>
+        </p:txBody>
+      </p:sp>
+      <p:grpSp>
+        <p:nvGrpSpPr>
+          <p:cNvPr id="14" name="Group 13">
+            <a:extLst>
+              <a:ext uri="{FF2B5EF4-FFF2-40B4-BE49-F238E27FC236}">
+                <a16:creationId xmlns:a16="http://schemas.microsoft.com/office/drawing/2014/main" id="{2ACBB827-9A2D-D449-9686-F47D2A20EFE1}"/>
+              </a:ext>
+              <a:ext uri="{C183D7F6-B498-43B3-948B-1728B52AA6E4}">
+                <adec:decorative xmlns:adec="http://schemas.microsoft.com/office/drawing/2017/decorative" val="1"/>
+              </a:ext>
+            </a:extLst>
+          </p:cNvPr>
+          <p:cNvGrpSpPr>
+            <a:grpSpLocks noGrp="1" noUngrp="1" noRot="1" noChangeAspect="1" noMove="1" noResize="1"/>
+          </p:cNvGrpSpPr>
+          <p:nvPr>
+            <p:extLst>
+              <p:ext uri="{386F3935-93C4-4BCD-93E2-E3B085C9AB24}">
+                <p16:designElem xmlns:p16="http://schemas.microsoft.com/office/powerpoint/2015/main" val="1"/>
+              </p:ext>
+            </p:extLst>
+          </p:nvPr>
+        </p:nvGrpSpPr>
+        <p:grpSpPr>
+          <a:xfrm>
+            <a:off x="10290315" y="0"/>
+            <a:ext cx="1901686" cy="4677439"/>
+            <a:chOff x="10290315" y="0"/>
+            <a:chExt cx="1901686" cy="4677439"/>
+          </a:xfrm>
+        </p:grpSpPr>
+        <p:sp>
+          <p:nvSpPr>
+            <p:cNvPr id="15" name="Freeform 21">
+              <a:extLst>
+                <a:ext uri="{FF2B5EF4-FFF2-40B4-BE49-F238E27FC236}">
+                  <a16:creationId xmlns:a16="http://schemas.microsoft.com/office/drawing/2014/main" id="{9B921EC8-AD62-E940-80A2-682AC7104E09}"/>
+                </a:ext>
+                <a:ext uri="{C183D7F6-B498-43B3-948B-1728B52AA6E4}">
+                  <adec:decorative xmlns:adec="http://schemas.microsoft.com/office/drawing/2017/decorative" val="1"/>
+                </a:ext>
+              </a:extLst>
+            </p:cNvPr>
+            <p:cNvSpPr/>
+            <p:nvPr>
+              <p:extLst>
+                <p:ext uri="{386F3935-93C4-4BCD-93E2-E3B085C9AB24}">
+                  <p16:designElem xmlns:p16="http://schemas.microsoft.com/office/powerpoint/2015/main" val="1"/>
+                </p:ext>
+              </p:extLst>
+            </p:nvPr>
+          </p:nvSpPr>
+          <p:spPr>
+            <a:xfrm>
+              <a:off x="10290315" y="0"/>
+              <a:ext cx="1130724" cy="565573"/>
+            </a:xfrm>
+            <a:custGeom>
+              <a:avLst/>
+              <a:gdLst>
+                <a:gd name="connsiteX0" fmla="*/ 21 w 1130724"/>
+                <a:gd name="connsiteY0" fmla="*/ 0 h 565573"/>
+                <a:gd name="connsiteX1" fmla="*/ 1130703 w 1130724"/>
+                <a:gd name="connsiteY1" fmla="*/ 0 h 565573"/>
+                <a:gd name="connsiteX2" fmla="*/ 1130724 w 1130724"/>
+                <a:gd name="connsiteY2" fmla="*/ 211 h 565573"/>
+                <a:gd name="connsiteX3" fmla="*/ 565362 w 1130724"/>
+                <a:gd name="connsiteY3" fmla="*/ 565573 h 565573"/>
+                <a:gd name="connsiteX4" fmla="*/ 0 w 1130724"/>
+                <a:gd name="connsiteY4" fmla="*/ 211 h 565573"/>
+              </a:gdLst>
+              <a:ahLst/>
+              <a:cxnLst>
+                <a:cxn ang="0">
+                  <a:pos x="connsiteX0" y="connsiteY0"/>
+                </a:cxn>
+                <a:cxn ang="0">
+                  <a:pos x="connsiteX1" y="connsiteY1"/>
+                </a:cxn>
+                <a:cxn ang="0">
+                  <a:pos x="connsiteX2" y="connsiteY2"/>
+                </a:cxn>
+                <a:cxn ang="0">
+                  <a:pos x="connsiteX3" y="connsiteY3"/>
+                </a:cxn>
+                <a:cxn ang="0">
+                  <a:pos x="connsiteX4" y="connsiteY4"/>
+                </a:cxn>
+              </a:cxnLst>
+              <a:rect l="l" t="t" r="r" b="b"/>
+              <a:pathLst>
+                <a:path w="1130724" h="565573">
+                  <a:moveTo>
+                    <a:pt x="21" y="0"/>
+                  </a:moveTo>
+                  <a:lnTo>
+                    <a:pt x="1130703" y="0"/>
+                  </a:lnTo>
+                  <a:lnTo>
+                    <a:pt x="1130724" y="211"/>
+                  </a:lnTo>
+                  <a:cubicBezTo>
+                    <a:pt x="1130724" y="312452"/>
+                    <a:pt x="877603" y="565573"/>
+                    <a:pt x="565362" y="565573"/>
+                  </a:cubicBezTo>
+                  <a:cubicBezTo>
+                    <a:pt x="253121" y="565573"/>
+                    <a:pt x="0" y="312452"/>
+                    <a:pt x="0" y="211"/>
+                  </a:cubicBezTo>
+                  <a:close/>
+                </a:path>
+              </a:pathLst>
+            </a:custGeom>
+            <a:solidFill>
+              <a:schemeClr val="bg2"/>
+            </a:solidFill>
+            <a:ln>
+              <a:noFill/>
+            </a:ln>
+          </p:spPr>
+          <p:style>
+            <a:lnRef idx="2">
+              <a:schemeClr val="accent1">
+                <a:shade val="50000"/>
+              </a:schemeClr>
+            </a:lnRef>
+            <a:fillRef idx="1">
+              <a:schemeClr val="accent1"/>
+            </a:fillRef>
+            <a:effectRef idx="0">
+              <a:schemeClr val="accent1"/>
+            </a:effectRef>
+            <a:fontRef idx="minor">
+              <a:schemeClr val="lt1"/>
+            </a:fontRef>
+          </p:style>
+          <p:txBody>
+            <a:bodyPr wrap="square" rtlCol="0" anchor="ctr">
+              <a:noAutofit/>
+            </a:bodyPr>
+            <a:lstStyle/>
+            <a:p>
+              <a:pPr algn="ctr"/>
+              <a:endParaRPr lang="en-US"/>
+            </a:p>
+          </p:txBody>
+        </p:sp>
+        <p:sp>
+          <p:nvSpPr>
+            <p:cNvPr id="16" name="Freeform 23">
+              <a:extLst>
+                <a:ext uri="{FF2B5EF4-FFF2-40B4-BE49-F238E27FC236}">
+                  <a16:creationId xmlns:a16="http://schemas.microsoft.com/office/drawing/2014/main" id="{6DBDC735-9A9C-6340-B1E4-3576B27EDDC1}"/>
+                </a:ext>
+                <a:ext uri="{C183D7F6-B498-43B3-948B-1728B52AA6E4}">
+                  <adec:decorative xmlns:adec="http://schemas.microsoft.com/office/drawing/2017/decorative" val="1"/>
+                </a:ext>
+              </a:extLst>
+            </p:cNvPr>
+            <p:cNvSpPr/>
+            <p:nvPr>
+              <p:extLst>
+                <p:ext uri="{386F3935-93C4-4BCD-93E2-E3B085C9AB24}">
+                  <p16:designElem xmlns:p16="http://schemas.microsoft.com/office/powerpoint/2015/main" val="1"/>
+                </p:ext>
+              </p:extLst>
+            </p:nvPr>
+          </p:nvSpPr>
+          <p:spPr>
+            <a:xfrm>
+              <a:off x="11653180" y="3552066"/>
+              <a:ext cx="538821" cy="1125373"/>
+            </a:xfrm>
+            <a:custGeom>
+              <a:avLst/>
+              <a:gdLst>
+                <a:gd name="connsiteX0" fmla="*/ 538821 w 538821"/>
+                <a:gd name="connsiteY0" fmla="*/ 0 h 1125373"/>
+                <a:gd name="connsiteX1" fmla="*/ 538821 w 538821"/>
+                <a:gd name="connsiteY1" fmla="*/ 1125373 h 1125373"/>
+                <a:gd name="connsiteX2" fmla="*/ 451422 w 538821"/>
+                <a:gd name="connsiteY2" fmla="*/ 1116562 h 1125373"/>
+                <a:gd name="connsiteX3" fmla="*/ 0 w 538821"/>
+                <a:gd name="connsiteY3" fmla="*/ 562686 h 1125373"/>
+                <a:gd name="connsiteX4" fmla="*/ 451422 w 538821"/>
+                <a:gd name="connsiteY4" fmla="*/ 8810 h 1125373"/>
+              </a:gdLst>
+              <a:ahLst/>
+              <a:cxnLst>
+                <a:cxn ang="0">
+                  <a:pos x="connsiteX0" y="connsiteY0"/>
+                </a:cxn>
+                <a:cxn ang="0">
+                  <a:pos x="connsiteX1" y="connsiteY1"/>
+                </a:cxn>
+                <a:cxn ang="0">
+                  <a:pos x="connsiteX2" y="connsiteY2"/>
+                </a:cxn>
+                <a:cxn ang="0">
+                  <a:pos x="connsiteX3" y="connsiteY3"/>
+                </a:cxn>
+                <a:cxn ang="0">
+                  <a:pos x="connsiteX4" y="connsiteY4"/>
+                </a:cxn>
+              </a:cxnLst>
+              <a:rect l="l" t="t" r="r" b="b"/>
+              <a:pathLst>
+                <a:path w="538821" h="1125373">
+                  <a:moveTo>
+                    <a:pt x="538821" y="0"/>
+                  </a:moveTo>
+                  <a:lnTo>
+                    <a:pt x="538821" y="1125373"/>
+                  </a:lnTo>
+                  <a:lnTo>
+                    <a:pt x="451422" y="1116562"/>
+                  </a:lnTo>
+                  <a:cubicBezTo>
+                    <a:pt x="193796" y="1063844"/>
+                    <a:pt x="0" y="835897"/>
+                    <a:pt x="0" y="562686"/>
+                  </a:cubicBezTo>
+                  <a:cubicBezTo>
+                    <a:pt x="0" y="289475"/>
+                    <a:pt x="193796" y="61528"/>
+                    <a:pt x="451422" y="8810"/>
+                  </a:cubicBezTo>
+                  <a:close/>
+                </a:path>
+              </a:pathLst>
+            </a:custGeom>
+            <a:solidFill>
+              <a:schemeClr val="bg2"/>
+            </a:solidFill>
+            <a:ln>
+              <a:noFill/>
+            </a:ln>
+          </p:spPr>
+          <p:style>
+            <a:lnRef idx="2">
+              <a:schemeClr val="accent1">
+                <a:shade val="50000"/>
+              </a:schemeClr>
+            </a:lnRef>
+            <a:fillRef idx="1">
+              <a:schemeClr val="accent1"/>
+            </a:fillRef>
+            <a:effectRef idx="0">
+              <a:schemeClr val="accent1"/>
+            </a:effectRef>
+            <a:fontRef idx="minor">
+              <a:schemeClr val="lt1"/>
+            </a:fontRef>
+          </p:style>
+          <p:txBody>
+            <a:bodyPr wrap="square" rtlCol="0" anchor="ctr">
+              <a:noAutofit/>
+            </a:bodyPr>
+            <a:lstStyle/>
+            <a:p>
+              <a:pPr algn="ctr"/>
+              <a:endParaRPr lang="en-US"/>
+            </a:p>
+          </p:txBody>
+        </p:sp>
+        <p:sp>
+          <p:nvSpPr>
+            <p:cNvPr id="17" name="Freeform 25">
+              <a:extLst>
+                <a:ext uri="{FF2B5EF4-FFF2-40B4-BE49-F238E27FC236}">
+                  <a16:creationId xmlns:a16="http://schemas.microsoft.com/office/drawing/2014/main" id="{E3F399C2-198A-1347-8B48-1B1D50805EFB}"/>
+                </a:ext>
+                <a:ext uri="{C183D7F6-B498-43B3-948B-1728B52AA6E4}">
+                  <adec:decorative xmlns:adec="http://schemas.microsoft.com/office/drawing/2017/decorative" val="1"/>
+                </a:ext>
+              </a:extLst>
+            </p:cNvPr>
+            <p:cNvSpPr/>
+            <p:nvPr>
+              <p:extLst>
+                <p:ext uri="{386F3935-93C4-4BCD-93E2-E3B085C9AB24}">
+                  <p16:designElem xmlns:p16="http://schemas.microsoft.com/office/powerpoint/2015/main" val="1"/>
+                </p:ext>
+              </p:extLst>
+            </p:nvPr>
+          </p:nvSpPr>
+          <p:spPr>
+            <a:xfrm>
+              <a:off x="11653180" y="809039"/>
+              <a:ext cx="538821" cy="1125373"/>
+            </a:xfrm>
+            <a:custGeom>
+              <a:avLst/>
+              <a:gdLst>
+                <a:gd name="connsiteX0" fmla="*/ 538821 w 538821"/>
+                <a:gd name="connsiteY0" fmla="*/ 0 h 1125373"/>
+                <a:gd name="connsiteX1" fmla="*/ 538821 w 538821"/>
+                <a:gd name="connsiteY1" fmla="*/ 1125373 h 1125373"/>
+                <a:gd name="connsiteX2" fmla="*/ 451422 w 538821"/>
+                <a:gd name="connsiteY2" fmla="*/ 1116562 h 1125373"/>
+                <a:gd name="connsiteX3" fmla="*/ 0 w 538821"/>
+                <a:gd name="connsiteY3" fmla="*/ 562686 h 1125373"/>
+                <a:gd name="connsiteX4" fmla="*/ 451422 w 538821"/>
+                <a:gd name="connsiteY4" fmla="*/ 8810 h 1125373"/>
+              </a:gdLst>
+              <a:ahLst/>
+              <a:cxnLst>
+                <a:cxn ang="0">
+                  <a:pos x="connsiteX0" y="connsiteY0"/>
+                </a:cxn>
+                <a:cxn ang="0">
+                  <a:pos x="connsiteX1" y="connsiteY1"/>
+                </a:cxn>
+                <a:cxn ang="0">
+                  <a:pos x="connsiteX2" y="connsiteY2"/>
+                </a:cxn>
+                <a:cxn ang="0">
+                  <a:pos x="connsiteX3" y="connsiteY3"/>
+                </a:cxn>
+                <a:cxn ang="0">
+                  <a:pos x="connsiteX4" y="connsiteY4"/>
+                </a:cxn>
+              </a:cxnLst>
+              <a:rect l="l" t="t" r="r" b="b"/>
+              <a:pathLst>
+                <a:path w="538821" h="1125373">
+                  <a:moveTo>
+                    <a:pt x="538821" y="0"/>
+                  </a:moveTo>
+                  <a:lnTo>
+                    <a:pt x="538821" y="1125373"/>
+                  </a:lnTo>
+                  <a:lnTo>
+                    <a:pt x="451422" y="1116562"/>
+                  </a:lnTo>
+                  <a:cubicBezTo>
+                    <a:pt x="193796" y="1063844"/>
+                    <a:pt x="0" y="835897"/>
+                    <a:pt x="0" y="562686"/>
+                  </a:cubicBezTo>
+                  <a:cubicBezTo>
+                    <a:pt x="0" y="289475"/>
+                    <a:pt x="193796" y="61528"/>
+                    <a:pt x="451422" y="8810"/>
+                  </a:cubicBezTo>
+                  <a:close/>
+                </a:path>
+              </a:pathLst>
+            </a:custGeom>
+            <a:solidFill>
+              <a:schemeClr val="accent1"/>
+            </a:solidFill>
+            <a:ln>
+              <a:noFill/>
+            </a:ln>
+          </p:spPr>
+          <p:style>
+            <a:lnRef idx="2">
+              <a:schemeClr val="accent1">
+                <a:shade val="50000"/>
+              </a:schemeClr>
+            </a:lnRef>
+            <a:fillRef idx="1">
+              <a:schemeClr val="accent1"/>
+            </a:fillRef>
+            <a:effectRef idx="0">
+              <a:schemeClr val="accent1"/>
+            </a:effectRef>
+            <a:fontRef idx="minor">
+              <a:schemeClr val="lt1"/>
+            </a:fontRef>
+          </p:style>
+          <p:txBody>
+            <a:bodyPr wrap="square" rtlCol="0" anchor="ctr">
+              <a:noAutofit/>
+            </a:bodyPr>
+            <a:lstStyle/>
+            <a:p>
+              <a:pPr algn="ctr"/>
+              <a:endParaRPr lang="en-US"/>
+            </a:p>
+          </p:txBody>
+        </p:sp>
+        <p:sp>
+          <p:nvSpPr>
+            <p:cNvPr id="18" name="Freeform 26">
+              <a:extLst>
+                <a:ext uri="{FF2B5EF4-FFF2-40B4-BE49-F238E27FC236}">
+                  <a16:creationId xmlns:a16="http://schemas.microsoft.com/office/drawing/2014/main" id="{4AB3593B-CA05-1845-839E-90B9B70ECE96}"/>
+                </a:ext>
+                <a:ext uri="{C183D7F6-B498-43B3-948B-1728B52AA6E4}">
+                  <adec:decorative xmlns:adec="http://schemas.microsoft.com/office/drawing/2017/decorative" val="1"/>
+                </a:ext>
+              </a:extLst>
+            </p:cNvPr>
+            <p:cNvSpPr/>
+            <p:nvPr>
+              <p:extLst>
+                <p:ext uri="{386F3935-93C4-4BCD-93E2-E3B085C9AB24}">
+                  <p16:designElem xmlns:p16="http://schemas.microsoft.com/office/powerpoint/2015/main" val="1"/>
+                </p:ext>
+              </p:extLst>
+            </p:nvPr>
+          </p:nvSpPr>
+          <p:spPr>
+            <a:xfrm>
+              <a:off x="11653180" y="0"/>
+              <a:ext cx="538821" cy="562898"/>
+            </a:xfrm>
+            <a:custGeom>
+              <a:avLst/>
+              <a:gdLst>
+                <a:gd name="connsiteX0" fmla="*/ 21 w 538821"/>
+                <a:gd name="connsiteY0" fmla="*/ 0 h 562898"/>
+                <a:gd name="connsiteX1" fmla="*/ 538821 w 538821"/>
+                <a:gd name="connsiteY1" fmla="*/ 0 h 562898"/>
+                <a:gd name="connsiteX2" fmla="*/ 538821 w 538821"/>
+                <a:gd name="connsiteY2" fmla="*/ 562898 h 562898"/>
+                <a:gd name="connsiteX3" fmla="*/ 451422 w 538821"/>
+                <a:gd name="connsiteY3" fmla="*/ 554087 h 562898"/>
+                <a:gd name="connsiteX4" fmla="*/ 0 w 538821"/>
+                <a:gd name="connsiteY4" fmla="*/ 211 h 562898"/>
+              </a:gdLst>
+              <a:ahLst/>
+              <a:cxnLst>
+                <a:cxn ang="0">
+                  <a:pos x="connsiteX0" y="connsiteY0"/>
+                </a:cxn>
+                <a:cxn ang="0">
+                  <a:pos x="connsiteX1" y="connsiteY1"/>
+                </a:cxn>
+                <a:cxn ang="0">
+                  <a:pos x="connsiteX2" y="connsiteY2"/>
+                </a:cxn>
+                <a:cxn ang="0">
+                  <a:pos x="connsiteX3" y="connsiteY3"/>
+                </a:cxn>
+                <a:cxn ang="0">
+                  <a:pos x="connsiteX4" y="connsiteY4"/>
+                </a:cxn>
+              </a:cxnLst>
+              <a:rect l="l" t="t" r="r" b="b"/>
+              <a:pathLst>
+                <a:path w="538821" h="562898">
+                  <a:moveTo>
+                    <a:pt x="21" y="0"/>
+                  </a:moveTo>
+                  <a:lnTo>
+                    <a:pt x="538821" y="0"/>
+                  </a:lnTo>
+                  <a:lnTo>
+                    <a:pt x="538821" y="562898"/>
+                  </a:lnTo>
+                  <a:lnTo>
+                    <a:pt x="451422" y="554087"/>
+                  </a:lnTo>
+                  <a:cubicBezTo>
+                    <a:pt x="193796" y="501369"/>
+                    <a:pt x="0" y="273422"/>
+                    <a:pt x="0" y="211"/>
+                  </a:cubicBezTo>
+                  <a:close/>
+                </a:path>
+              </a:pathLst>
+            </a:custGeom>
+            <a:solidFill>
+              <a:schemeClr val="bg2"/>
+            </a:solidFill>
+            <a:ln>
+              <a:noFill/>
+            </a:ln>
+          </p:spPr>
+          <p:style>
+            <a:lnRef idx="2">
+              <a:schemeClr val="accent1">
+                <a:shade val="50000"/>
+              </a:schemeClr>
+            </a:lnRef>
+            <a:fillRef idx="1">
+              <a:schemeClr val="accent1"/>
+            </a:fillRef>
+            <a:effectRef idx="0">
+              <a:schemeClr val="accent1"/>
+            </a:effectRef>
+            <a:fontRef idx="minor">
+              <a:schemeClr val="lt1"/>
+            </a:fontRef>
+          </p:style>
+          <p:txBody>
+            <a:bodyPr wrap="square" rtlCol="0" anchor="ctr">
+              <a:noAutofit/>
+            </a:bodyPr>
+            <a:lstStyle/>
+            <a:p>
+              <a:pPr algn="ctr"/>
+              <a:endParaRPr lang="en-US"/>
+            </a:p>
+          </p:txBody>
+        </p:sp>
+      </p:grpSp>
+      <p:pic>
+        <p:nvPicPr>
+          <p:cNvPr id="7" name="Graphic 6" descr="Dinosaur Egg with solid fill">
+            <a:extLst>
+              <a:ext uri="{FF2B5EF4-FFF2-40B4-BE49-F238E27FC236}">
+                <a16:creationId xmlns:a16="http://schemas.microsoft.com/office/drawing/2014/main" id="{89940B94-B03A-8BF1-72A8-B857BB45FFDB}"/>
+              </a:ext>
+            </a:extLst>
+          </p:cNvPr>
+          <p:cNvPicPr>
+            <a:picLocks noChangeAspect="1"/>
+          </p:cNvPicPr>
+          <p:nvPr/>
+        </p:nvPicPr>
+        <p:blipFill>
+          <a:blip r:embed="rId2">
+            <a:extLst>
+              <a:ext uri="{28A0092B-C50C-407E-A947-70E740481C1C}">
+                <a14:useLocalDpi xmlns:a14="http://schemas.microsoft.com/office/drawing/2010/main" val="0"/>
+              </a:ext>
+              <a:ext uri="{96DAC541-7B7A-43D3-8B79-37D633B846F1}">
+                <asvg:svgBlip xmlns:asvg="http://schemas.microsoft.com/office/drawing/2016/SVG/main" r:embed="rId3"/>
+              </a:ext>
+            </a:extLst>
+          </a:blip>
+          <a:stretch>
+            <a:fillRect/>
+          </a:stretch>
+        </p:blipFill>
+        <p:spPr>
+          <a:xfrm>
+            <a:off x="8853739" y="681647"/>
+            <a:ext cx="2631283" cy="2631283"/>
+          </a:xfrm>
+          <a:prstGeom prst="rect">
+            <a:avLst/>
+          </a:prstGeom>
+        </p:spPr>
+      </p:pic>
+      <p:cxnSp>
+        <p:nvCxnSpPr>
+          <p:cNvPr id="20" name="Straight Connector 19">
+            <a:extLst>
+              <a:ext uri="{FF2B5EF4-FFF2-40B4-BE49-F238E27FC236}">
+                <a16:creationId xmlns:a16="http://schemas.microsoft.com/office/drawing/2014/main" id="{BF3CF3DF-4809-5B42-9F22-981391379297}"/>
+              </a:ext>
+              <a:ext uri="{C183D7F6-B498-43B3-948B-1728B52AA6E4}">
+                <adec:decorative xmlns:adec="http://schemas.microsoft.com/office/drawing/2017/decorative" val="1"/>
+              </a:ext>
+            </a:extLst>
+          </p:cNvPr>
+          <p:cNvCxnSpPr>
+            <a:cxnSpLocks noGrp="1" noRot="1" noChangeAspect="1" noMove="1" noResize="1" noEditPoints="1" noAdjustHandles="1" noChangeArrowheads="1" noChangeShapeType="1"/>
+          </p:cNvCxnSpPr>
+          <p:nvPr>
+            <p:extLst>
+              <p:ext uri="{386F3935-93C4-4BCD-93E2-E3B085C9AB24}">
+                <p16:designElem xmlns:p16="http://schemas.microsoft.com/office/powerpoint/2015/main" val="1"/>
+              </p:ext>
+            </p:extLst>
+          </p:nvPr>
+        </p:nvCxnSpPr>
+        <p:spPr>
+          <a:xfrm>
+            <a:off x="565150" y="6087110"/>
+            <a:ext cx="7668997" cy="0"/>
+          </a:xfrm>
+          <a:prstGeom prst="line">
+            <a:avLst/>
+          </a:prstGeom>
+          <a:ln w="12700">
+            <a:solidFill>
+              <a:schemeClr val="bg1">
+                <a:lumMod val="65000"/>
+              </a:schemeClr>
+            </a:solidFill>
+          </a:ln>
+        </p:spPr>
+        <p:style>
+          <a:lnRef idx="1">
+            <a:schemeClr val="accent1"/>
+          </a:lnRef>
+          <a:fillRef idx="0">
+            <a:schemeClr val="accent1"/>
+          </a:fillRef>
+          <a:effectRef idx="0">
+            <a:schemeClr val="accent1"/>
+          </a:effectRef>
+          <a:fontRef idx="minor">
+            <a:schemeClr val="tx1"/>
+          </a:fontRef>
+        </p:style>
+      </p:cxnSp>
+      <p:pic>
+        <p:nvPicPr>
+          <p:cNvPr id="5" name="Graphic 4" descr="Pound outline">
+            <a:extLst>
+              <a:ext uri="{FF2B5EF4-FFF2-40B4-BE49-F238E27FC236}">
+                <a16:creationId xmlns:a16="http://schemas.microsoft.com/office/drawing/2014/main" id="{A8A1B75C-48B8-6DE2-D53D-FA9B118779FD}"/>
+              </a:ext>
+            </a:extLst>
+          </p:cNvPr>
+          <p:cNvPicPr>
+            <a:picLocks noChangeAspect="1"/>
+          </p:cNvPicPr>
+          <p:nvPr/>
+        </p:nvPicPr>
+        <p:blipFill>
+          <a:blip r:embed="rId4">
+            <a:extLst>
+              <a:ext uri="{28A0092B-C50C-407E-A947-70E740481C1C}">
+                <a14:useLocalDpi xmlns:a14="http://schemas.microsoft.com/office/drawing/2010/main" val="0"/>
+              </a:ext>
+              <a:ext uri="{96DAC541-7B7A-43D3-8B79-37D633B846F1}">
+                <asvg:svgBlip xmlns:asvg="http://schemas.microsoft.com/office/drawing/2016/SVG/main" r:embed="rId5"/>
+              </a:ext>
+            </a:extLst>
+          </a:blip>
+          <a:stretch>
+            <a:fillRect/>
+          </a:stretch>
+        </p:blipFill>
+        <p:spPr>
+          <a:xfrm>
+            <a:off x="8852993" y="3545072"/>
+            <a:ext cx="2633472" cy="2633472"/>
+          </a:xfrm>
+          <a:prstGeom prst="rect">
+            <a:avLst/>
+          </a:prstGeom>
+        </p:spPr>
+      </p:pic>
+    </p:spTree>
+    <p:extLst>
+      <p:ext uri="{BB962C8B-B14F-4D97-AF65-F5344CB8AC3E}">
+        <p14:creationId xmlns:p14="http://schemas.microsoft.com/office/powerpoint/2010/main" val="1854828811"/>
+      </p:ext>
+    </p:extLst>
+  </p:cSld>
+  <p:clrMapOvr>
+    <a:masterClrMapping/>
+  </p:clrMapOvr>
+</p:sld>
+</file>
+
+<file path=ppt/slides/slide9.xml><?xml version="1.0" encoding="utf-8"?>
+<p:sld xmlns:a="http://schemas.openxmlformats.org/drawingml/2006/main" xmlns:r="http://schemas.openxmlformats.org/officeDocument/2006/relationships" xmlns:p="http://schemas.openxmlformats.org/presentationml/2006/main">
+  <p:cSld>
+    <p:bg>
+      <p:bgPr>
+        <a:solidFill>
+          <a:schemeClr val="bg1"/>
+        </a:solidFill>
+        <a:effectLst/>
+      </p:bgPr>
+    </p:bg>
+    <p:spTree>
+      <p:nvGrpSpPr>
+        <p:cNvPr id="1" name=""/>
+        <p:cNvGrpSpPr/>
+        <p:nvPr/>
+      </p:nvGrpSpPr>
+      <p:grpSpPr>
+        <a:xfrm>
+          <a:off x="0" y="0"/>
+          <a:ext cx="0" cy="0"/>
+          <a:chOff x="0" y="0"/>
+          <a:chExt cx="0" cy="0"/>
+        </a:xfrm>
+      </p:grpSpPr>
+      <p:sp useBgFill="1">
+        <p:nvSpPr>
+          <p:cNvPr id="12" name="Rectangle 11">
             <a:extLst>
               <a:ext uri="{FF2B5EF4-FFF2-40B4-BE49-F238E27FC236}">
                 <a16:creationId xmlns:a16="http://schemas.microsoft.com/office/drawing/2014/main" id="{4EFE82FE-7465-AE46-88DF-34D347E83B84}"/>
@@ -18437,7 +20959,7 @@
           <p:cNvPr id="2" name="Title 1">
             <a:extLst>
               <a:ext uri="{FF2B5EF4-FFF2-40B4-BE49-F238E27FC236}">
-                <a16:creationId xmlns:a16="http://schemas.microsoft.com/office/drawing/2014/main" id="{8B291452-36B1-9F66-D4BA-C634A9CAF7D1}"/>
+                <a16:creationId xmlns:a16="http://schemas.microsoft.com/office/drawing/2014/main" id="{714D6ECD-9B5D-1CC1-282D-171A9426E426}"/>
               </a:ext>
             </a:extLst>
           </p:cNvPr>
@@ -18462,7 +20984,7 @@
           <a:p>
             <a:r>
               <a:rPr lang="en-SG" dirty="0"/>
-              <a:t>Market Potential</a:t>
+              <a:t>Future Developments V2</a:t>
             </a:r>
           </a:p>
         </p:txBody>
@@ -18472,7 +20994,7 @@
           <p:cNvPr id="3" name="Content Placeholder 2">
             <a:extLst>
               <a:ext uri="{FF2B5EF4-FFF2-40B4-BE49-F238E27FC236}">
-                <a16:creationId xmlns:a16="http://schemas.microsoft.com/office/drawing/2014/main" id="{8BF72BE4-97A6-056D-5824-FD0B6A877A9B}"/>
+                <a16:creationId xmlns:a16="http://schemas.microsoft.com/office/drawing/2014/main" id="{BD3C23B6-5A9C-7E48-BEAD-9AC64D408593}"/>
               </a:ext>
             </a:extLst>
           </p:cNvPr>
@@ -18491,7 +21013,7 @@
         </p:spPr>
         <p:txBody>
           <a:bodyPr>
-            <a:normAutofit/>
+            <a:normAutofit lnSpcReduction="10000"/>
           </a:bodyPr>
           <a:lstStyle/>
           <a:p>
@@ -18500,16 +21022,17 @@
               <a:buChar char="•"/>
             </a:pPr>
             <a:r>
-              <a:rPr lang="en-US" b="1" dirty="0"/>
-              <a:t>The global health and fitness app market is expected to reach $14.64 billion by 2026.</a:t>
+              <a:rPr lang="en-US" sz="2200" b="1" dirty="0"/>
+              <a:t>As of now, only the steps walked contribute to calculating </a:t>
             </a:r>
-            <a:endParaRPr lang="en-US" b="1"/>
-          </a:p>
-          <a:p>
-            <a:pPr marL="0" indent="0">
-              <a:buNone/>
-            </a:pPr>
-            <a:endParaRPr lang="en-US" b="1"/>
+            <a:r>
+              <a:rPr lang="en-US" sz="2200" b="1" dirty="0" err="1"/>
+              <a:t>PetCoins</a:t>
+            </a:r>
+            <a:r>
+              <a:rPr lang="en-US" sz="2200" b="1" dirty="0"/>
+              <a:t>. In the future, we envision this app to be able to use data from other activities such as swimming and cycling for example. This can be implemented by adding additional filters in our JSON filtering program. </a:t>
+            </a:r>
           </a:p>
           <a:p>
             <a:pPr>
@@ -18517,27 +21040,29 @@
               <a:buChar char="•"/>
             </a:pPr>
             <a:r>
-              <a:rPr lang="en-US" b="1" dirty="0"/>
-              <a:t>The market for virtual pet games is also growing, with games like </a:t>
+              <a:rPr lang="en-US" sz="2200" b="1" dirty="0"/>
+              <a:t>Fitness streak that record the consecutive days a user has met their goal. This can be implemented using a timestamp to ensure that the daily streak </a:t>
             </a:r>
             <a:r>
-              <a:rPr lang="en-US" b="1" dirty="0" err="1"/>
-              <a:t>Nintendogs</a:t>
+              <a:rPr lang="en-US" sz="2200" b="1"/>
+              <a:t>is maintained.</a:t>
             </a:r>
-            <a:r>
-              <a:rPr lang="en-US" b="1" dirty="0"/>
-              <a:t> and Tamagotchi selling millions of copies worldwide.</a:t>
-            </a:r>
-            <a:endParaRPr lang="en-US" b="1"/>
+            <a:endParaRPr lang="en-US" sz="2200" b="1" dirty="0"/>
           </a:p>
           <a:p>
-            <a:endParaRPr lang="en-SG" dirty="0"/>
+            <a:pPr marL="0" indent="0">
+              <a:buNone/>
+            </a:pPr>
+            <a:endParaRPr lang="en-US" sz="2200" b="1" dirty="0"/>
+          </a:p>
+          <a:p>
+            <a:endParaRPr lang="en-SG" sz="2200" dirty="0"/>
           </a:p>
         </p:txBody>
       </p:sp>
       <p:grpSp>
         <p:nvGrpSpPr>
-          <p:cNvPr id="12" name="Group 11">
+          <p:cNvPr id="14" name="Group 13">
             <a:extLst>
               <a:ext uri="{FF2B5EF4-FFF2-40B4-BE49-F238E27FC236}">
                 <a16:creationId xmlns:a16="http://schemas.microsoft.com/office/drawing/2014/main" id="{1B5E71B3-7269-894E-A00B-31D341365FC9}"/>
@@ -18568,7 +21093,7 @@
         </p:grpSpPr>
         <p:sp>
           <p:nvSpPr>
-            <p:cNvPr id="13" name="Freeform 85">
+            <p:cNvPr id="15" name="Freeform 85">
               <a:extLst>
                 <a:ext uri="{FF2B5EF4-FFF2-40B4-BE49-F238E27FC236}">
                   <a16:creationId xmlns:a16="http://schemas.microsoft.com/office/drawing/2014/main" id="{FFFA3A20-1539-CC4A-9BE1-7415FE5A98C6}"/>
@@ -18686,7 +21211,7 @@
         </p:sp>
         <p:sp>
           <p:nvSpPr>
-            <p:cNvPr id="14" name="Freeform 87">
+            <p:cNvPr id="16" name="Freeform 87">
               <a:extLst>
                 <a:ext uri="{FF2B5EF4-FFF2-40B4-BE49-F238E27FC236}">
                   <a16:creationId xmlns:a16="http://schemas.microsoft.com/office/drawing/2014/main" id="{44EBCCFB-8EAB-2442-8E02-293F08D50B5C}"/>
@@ -18804,7 +21329,7 @@
         </p:sp>
         <p:sp>
           <p:nvSpPr>
-            <p:cNvPr id="15" name="Freeform 89">
+            <p:cNvPr id="17" name="Freeform 89">
               <a:extLst>
                 <a:ext uri="{FF2B5EF4-FFF2-40B4-BE49-F238E27FC236}">
                   <a16:creationId xmlns:a16="http://schemas.microsoft.com/office/drawing/2014/main" id="{AFD14830-CC36-D64E-8173-3980425632A8}"/>
@@ -18922,7 +21447,7 @@
         </p:sp>
         <p:sp>
           <p:nvSpPr>
-            <p:cNvPr id="16" name="Freeform 97">
+            <p:cNvPr id="18" name="Freeform 97">
               <a:extLst>
                 <a:ext uri="{FF2B5EF4-FFF2-40B4-BE49-F238E27FC236}">
                   <a16:creationId xmlns:a16="http://schemas.microsoft.com/office/drawing/2014/main" id="{FAA40AB8-EB6E-A44D-B3CA-7D25B64F5A4D}"/>
@@ -19039,7 +21564,7 @@
       </p:grpSp>
       <p:cxnSp>
         <p:nvCxnSpPr>
-          <p:cNvPr id="18" name="Straight Connector 17">
+          <p:cNvPr id="20" name="Straight Connector 19">
             <a:extLst>
               <a:ext uri="{FF2B5EF4-FFF2-40B4-BE49-F238E27FC236}">
                 <a16:creationId xmlns:a16="http://schemas.microsoft.com/office/drawing/2014/main" id="{EEA70831-9A8D-3B4D-8EA5-EE32F93E94E9}"/>
@@ -19093,10 +21618,10 @@
       </p:cxnSp>
       <p:pic>
         <p:nvPicPr>
-          <p:cNvPr id="5" name="Graphic 4" descr="Bar graph with upward trend with solid fill">
+          <p:cNvPr id="7" name="Graphic 6" descr="Fire with solid fill">
             <a:extLst>
               <a:ext uri="{FF2B5EF4-FFF2-40B4-BE49-F238E27FC236}">
-                <a16:creationId xmlns:a16="http://schemas.microsoft.com/office/drawing/2014/main" id="{BD33BEEA-0C32-ABD5-F883-BC8035AA981C}"/>
+                <a16:creationId xmlns:a16="http://schemas.microsoft.com/office/drawing/2014/main" id="{A2545C65-F8EA-2BCB-AA9B-5F6304108F26}"/>
               </a:ext>
             </a:extLst>
           </p:cNvPr>
@@ -19130,888 +21655,10 @@
           </a:prstGeom>
         </p:spPr>
       </p:pic>
-      <p:cxnSp>
-        <p:nvCxnSpPr>
-          <p:cNvPr id="6" name="Straight Connector 5">
-            <a:extLst>
-              <a:ext uri="{FF2B5EF4-FFF2-40B4-BE49-F238E27FC236}">
-                <a16:creationId xmlns:a16="http://schemas.microsoft.com/office/drawing/2014/main" id="{7BB71BE2-E484-2372-1EB0-97FE8B2F677B}"/>
-              </a:ext>
-            </a:extLst>
-          </p:cNvPr>
-          <p:cNvCxnSpPr>
-            <a:cxnSpLocks/>
-          </p:cNvCxnSpPr>
-          <p:nvPr/>
-        </p:nvCxnSpPr>
-        <p:spPr>
-          <a:xfrm>
-            <a:off x="660401" y="1651508"/>
-            <a:ext cx="4622799" cy="0"/>
-          </a:xfrm>
-          <a:prstGeom prst="line">
-            <a:avLst/>
-          </a:prstGeom>
-        </p:spPr>
-        <p:style>
-          <a:lnRef idx="3">
-            <a:schemeClr val="dk1"/>
-          </a:lnRef>
-          <a:fillRef idx="0">
-            <a:schemeClr val="dk1"/>
-          </a:fillRef>
-          <a:effectRef idx="2">
-            <a:schemeClr val="dk1"/>
-          </a:effectRef>
-          <a:fontRef idx="minor">
-            <a:schemeClr val="tx1"/>
-          </a:fontRef>
-        </p:style>
-      </p:cxnSp>
     </p:spTree>
     <p:extLst>
       <p:ext uri="{BB962C8B-B14F-4D97-AF65-F5344CB8AC3E}">
-        <p14:creationId xmlns:p14="http://schemas.microsoft.com/office/powerpoint/2010/main" val="1494114660"/>
-      </p:ext>
-    </p:extLst>
-  </p:cSld>
-  <p:clrMapOvr>
-    <a:masterClrMapping/>
-  </p:clrMapOvr>
-</p:sld>
-</file>
-
-<file path=ppt/slides/slide9.xml><?xml version="1.0" encoding="utf-8"?>
-<p:sld xmlns:a="http://schemas.openxmlformats.org/drawingml/2006/main" xmlns:r="http://schemas.openxmlformats.org/officeDocument/2006/relationships" xmlns:p="http://schemas.openxmlformats.org/presentationml/2006/main">
-  <p:cSld>
-    <p:bg>
-      <p:bgPr>
-        <a:solidFill>
-          <a:schemeClr val="bg1"/>
-        </a:solidFill>
-        <a:effectLst/>
-      </p:bgPr>
-    </p:bg>
-    <p:spTree>
-      <p:nvGrpSpPr>
-        <p:cNvPr id="1" name=""/>
-        <p:cNvGrpSpPr/>
-        <p:nvPr/>
-      </p:nvGrpSpPr>
-      <p:grpSpPr>
-        <a:xfrm>
-          <a:off x="0" y="0"/>
-          <a:ext cx="0" cy="0"/>
-          <a:chOff x="0" y="0"/>
-          <a:chExt cx="0" cy="0"/>
-        </a:xfrm>
-      </p:grpSpPr>
-      <p:sp useBgFill="1">
-        <p:nvSpPr>
-          <p:cNvPr id="10" name="Rectangle 9">
-            <a:extLst>
-              <a:ext uri="{FF2B5EF4-FFF2-40B4-BE49-F238E27FC236}">
-                <a16:creationId xmlns:a16="http://schemas.microsoft.com/office/drawing/2014/main" id="{4EFE82FE-7465-AE46-88DF-34D347E83B84}"/>
-              </a:ext>
-              <a:ext uri="{C183D7F6-B498-43B3-948B-1728B52AA6E4}">
-                <adec:decorative xmlns:adec="http://schemas.microsoft.com/office/drawing/2017/decorative" val="1"/>
-              </a:ext>
-            </a:extLst>
-          </p:cNvPr>
-          <p:cNvSpPr>
-            <a:spLocks noGrp="1" noRot="1" noChangeAspect="1" noMove="1" noResize="1" noEditPoints="1" noAdjustHandles="1" noChangeArrowheads="1" noChangeShapeType="1" noTextEdit="1"/>
-          </p:cNvSpPr>
-          <p:nvPr>
-            <p:extLst>
-              <p:ext uri="{386F3935-93C4-4BCD-93E2-E3B085C9AB24}">
-                <p16:designElem xmlns:p16="http://schemas.microsoft.com/office/powerpoint/2015/main" val="1"/>
-              </p:ext>
-            </p:extLst>
-          </p:nvPr>
-        </p:nvSpPr>
-        <p:spPr>
-          <a:xfrm>
-            <a:off x="0" y="0"/>
-            <a:ext cx="12192000" cy="6858000"/>
-          </a:xfrm>
-          <a:prstGeom prst="rect">
-            <a:avLst/>
-          </a:prstGeom>
-          <a:ln>
-            <a:noFill/>
-          </a:ln>
-        </p:spPr>
-        <p:style>
-          <a:lnRef idx="2">
-            <a:schemeClr val="accent1">
-              <a:shade val="50000"/>
-            </a:schemeClr>
-          </a:lnRef>
-          <a:fillRef idx="1">
-            <a:schemeClr val="accent1"/>
-          </a:fillRef>
-          <a:effectRef idx="0">
-            <a:schemeClr val="accent1"/>
-          </a:effectRef>
-          <a:fontRef idx="minor">
-            <a:schemeClr val="lt1"/>
-          </a:fontRef>
-        </p:style>
-        <p:txBody>
-          <a:bodyPr rtlCol="0" anchor="ctr"/>
-          <a:lstStyle/>
-          <a:p>
-            <a:pPr algn="ctr"/>
-            <a:endParaRPr lang="en-US"/>
-          </a:p>
-        </p:txBody>
-      </p:sp>
-      <p:sp>
-        <p:nvSpPr>
-          <p:cNvPr id="2" name="Title 1">
-            <a:extLst>
-              <a:ext uri="{FF2B5EF4-FFF2-40B4-BE49-F238E27FC236}">
-                <a16:creationId xmlns:a16="http://schemas.microsoft.com/office/drawing/2014/main" id="{B19BF0EC-EF07-245E-2125-D45385FCC520}"/>
-              </a:ext>
-            </a:extLst>
-          </p:cNvPr>
-          <p:cNvSpPr>
-            <a:spLocks noGrp="1"/>
-          </p:cNvSpPr>
-          <p:nvPr>
-            <p:ph type="title"/>
-          </p:nvPr>
-        </p:nvSpPr>
-        <p:spPr>
-          <a:xfrm>
-            <a:off x="565150" y="770890"/>
-            <a:ext cx="6400999" cy="1268984"/>
-          </a:xfrm>
-        </p:spPr>
-        <p:txBody>
-          <a:bodyPr>
-            <a:normAutofit/>
-          </a:bodyPr>
-          <a:lstStyle/>
-          <a:p>
-            <a:r>
-              <a:rPr lang="en-SG" dirty="0"/>
-              <a:t>Competitive Landscape</a:t>
-            </a:r>
-          </a:p>
-        </p:txBody>
-      </p:sp>
-      <p:sp>
-        <p:nvSpPr>
-          <p:cNvPr id="3" name="Content Placeholder 2">
-            <a:extLst>
-              <a:ext uri="{FF2B5EF4-FFF2-40B4-BE49-F238E27FC236}">
-                <a16:creationId xmlns:a16="http://schemas.microsoft.com/office/drawing/2014/main" id="{B18FE940-AB5A-9EDA-A86D-F5E96A3D5D2D}"/>
-              </a:ext>
-            </a:extLst>
-          </p:cNvPr>
-          <p:cNvSpPr>
-            <a:spLocks noGrp="1"/>
-          </p:cNvSpPr>
-          <p:nvPr>
-            <p:ph idx="1"/>
-          </p:nvPr>
-        </p:nvSpPr>
-        <p:spPr>
-          <a:xfrm>
-            <a:off x="565150" y="2160016"/>
-            <a:ext cx="6400999" cy="3601212"/>
-          </a:xfrm>
-        </p:spPr>
-        <p:txBody>
-          <a:bodyPr>
-            <a:normAutofit/>
-          </a:bodyPr>
-          <a:lstStyle/>
-          <a:p>
-            <a:pPr>
-              <a:lnSpc>
-                <a:spcPct val="90000"/>
-              </a:lnSpc>
-              <a:buFont typeface="Arial" panose="020B0604020202020204" pitchFamily="34" charset="0"/>
-              <a:buChar char="•"/>
-            </a:pPr>
-            <a:r>
-              <a:rPr lang="en-US" b="1" dirty="0"/>
-              <a:t>There are currently no major players in the virtual pet game market that specifically focus on promoting health and fitness.</a:t>
-            </a:r>
-            <a:endParaRPr lang="en-US" b="1"/>
-          </a:p>
-          <a:p>
-            <a:pPr marL="0" indent="0">
-              <a:lnSpc>
-                <a:spcPct val="90000"/>
-              </a:lnSpc>
-              <a:buNone/>
-            </a:pPr>
-            <a:endParaRPr lang="en-US" b="1"/>
-          </a:p>
-          <a:p>
-            <a:pPr>
-              <a:lnSpc>
-                <a:spcPct val="90000"/>
-              </a:lnSpc>
-              <a:buFont typeface="Arial" panose="020B0604020202020204" pitchFamily="34" charset="0"/>
-              <a:buChar char="•"/>
-            </a:pPr>
-            <a:r>
-              <a:rPr lang="en-US" b="1" dirty="0"/>
-              <a:t>Our unique selling proposition is our ability to combine fun and engaging gameplay with a focus on physical activity and healthy habits.</a:t>
-            </a:r>
-            <a:endParaRPr lang="en-US" b="1"/>
-          </a:p>
-          <a:p>
-            <a:pPr>
-              <a:lnSpc>
-                <a:spcPct val="90000"/>
-              </a:lnSpc>
-            </a:pPr>
-            <a:endParaRPr lang="en-SG"/>
-          </a:p>
-        </p:txBody>
-      </p:sp>
-      <p:grpSp>
-        <p:nvGrpSpPr>
-          <p:cNvPr id="12" name="Group 11">
-            <a:extLst>
-              <a:ext uri="{FF2B5EF4-FFF2-40B4-BE49-F238E27FC236}">
-                <a16:creationId xmlns:a16="http://schemas.microsoft.com/office/drawing/2014/main" id="{1B5E71B3-7269-894E-A00B-31D341365FC9}"/>
-              </a:ext>
-              <a:ext uri="{C183D7F6-B498-43B3-948B-1728B52AA6E4}">
-                <adec:decorative xmlns:adec="http://schemas.microsoft.com/office/drawing/2017/decorative" val="1"/>
-              </a:ext>
-            </a:extLst>
-          </p:cNvPr>
-          <p:cNvGrpSpPr>
-            <a:grpSpLocks noGrp="1" noUngrp="1" noRot="1" noChangeAspect="1" noMove="1" noResize="1"/>
-          </p:cNvGrpSpPr>
-          <p:nvPr>
-            <p:extLst>
-              <p:ext uri="{386F3935-93C4-4BCD-93E2-E3B085C9AB24}">
-                <p16:designElem xmlns:p16="http://schemas.microsoft.com/office/powerpoint/2015/main" val="1"/>
-              </p:ext>
-            </p:extLst>
-          </p:nvPr>
-        </p:nvGrpSpPr>
-        <p:grpSpPr>
-          <a:xfrm>
-            <a:off x="10290315" y="0"/>
-            <a:ext cx="1901686" cy="4677439"/>
-            <a:chOff x="10290315" y="0"/>
-            <a:chExt cx="1901686" cy="4677439"/>
-          </a:xfrm>
-        </p:grpSpPr>
-        <p:sp>
-          <p:nvSpPr>
-            <p:cNvPr id="13" name="Freeform 85">
-              <a:extLst>
-                <a:ext uri="{FF2B5EF4-FFF2-40B4-BE49-F238E27FC236}">
-                  <a16:creationId xmlns:a16="http://schemas.microsoft.com/office/drawing/2014/main" id="{FFFA3A20-1539-CC4A-9BE1-7415FE5A98C6}"/>
-                </a:ext>
-                <a:ext uri="{C183D7F6-B498-43B3-948B-1728B52AA6E4}">
-                  <adec:decorative xmlns:adec="http://schemas.microsoft.com/office/drawing/2017/decorative" val="1"/>
-                </a:ext>
-              </a:extLst>
-            </p:cNvPr>
-            <p:cNvSpPr/>
-            <p:nvPr>
-              <p:extLst>
-                <p:ext uri="{386F3935-93C4-4BCD-93E2-E3B085C9AB24}">
-                  <p16:designElem xmlns:p16="http://schemas.microsoft.com/office/powerpoint/2015/main" val="1"/>
-                </p:ext>
-              </p:extLst>
-            </p:nvPr>
-          </p:nvSpPr>
-          <p:spPr>
-            <a:xfrm>
-              <a:off x="10290315" y="0"/>
-              <a:ext cx="1130724" cy="565573"/>
-            </a:xfrm>
-            <a:custGeom>
-              <a:avLst/>
-              <a:gdLst>
-                <a:gd name="connsiteX0" fmla="*/ 21 w 1130724"/>
-                <a:gd name="connsiteY0" fmla="*/ 0 h 565573"/>
-                <a:gd name="connsiteX1" fmla="*/ 1130703 w 1130724"/>
-                <a:gd name="connsiteY1" fmla="*/ 0 h 565573"/>
-                <a:gd name="connsiteX2" fmla="*/ 1130724 w 1130724"/>
-                <a:gd name="connsiteY2" fmla="*/ 211 h 565573"/>
-                <a:gd name="connsiteX3" fmla="*/ 565362 w 1130724"/>
-                <a:gd name="connsiteY3" fmla="*/ 565573 h 565573"/>
-                <a:gd name="connsiteX4" fmla="*/ 0 w 1130724"/>
-                <a:gd name="connsiteY4" fmla="*/ 211 h 565573"/>
-              </a:gdLst>
-              <a:ahLst/>
-              <a:cxnLst>
-                <a:cxn ang="0">
-                  <a:pos x="connsiteX0" y="connsiteY0"/>
-                </a:cxn>
-                <a:cxn ang="0">
-                  <a:pos x="connsiteX1" y="connsiteY1"/>
-                </a:cxn>
-                <a:cxn ang="0">
-                  <a:pos x="connsiteX2" y="connsiteY2"/>
-                </a:cxn>
-                <a:cxn ang="0">
-                  <a:pos x="connsiteX3" y="connsiteY3"/>
-                </a:cxn>
-                <a:cxn ang="0">
-                  <a:pos x="connsiteX4" y="connsiteY4"/>
-                </a:cxn>
-              </a:cxnLst>
-              <a:rect l="l" t="t" r="r" b="b"/>
-              <a:pathLst>
-                <a:path w="1130724" h="565573">
-                  <a:moveTo>
-                    <a:pt x="21" y="0"/>
-                  </a:moveTo>
-                  <a:lnTo>
-                    <a:pt x="1130703" y="0"/>
-                  </a:lnTo>
-                  <a:lnTo>
-                    <a:pt x="1130724" y="211"/>
-                  </a:lnTo>
-                  <a:cubicBezTo>
-                    <a:pt x="1130724" y="312452"/>
-                    <a:pt x="877603" y="565573"/>
-                    <a:pt x="565362" y="565573"/>
-                  </a:cubicBezTo>
-                  <a:cubicBezTo>
-                    <a:pt x="253121" y="565573"/>
-                    <a:pt x="0" y="312452"/>
-                    <a:pt x="0" y="211"/>
-                  </a:cubicBezTo>
-                  <a:close/>
-                </a:path>
-              </a:pathLst>
-            </a:custGeom>
-            <a:solidFill>
-              <a:schemeClr val="bg2"/>
-            </a:solidFill>
-            <a:ln>
-              <a:noFill/>
-            </a:ln>
-          </p:spPr>
-          <p:style>
-            <a:lnRef idx="2">
-              <a:schemeClr val="accent1">
-                <a:shade val="50000"/>
-              </a:schemeClr>
-            </a:lnRef>
-            <a:fillRef idx="1">
-              <a:schemeClr val="accent1"/>
-            </a:fillRef>
-            <a:effectRef idx="0">
-              <a:schemeClr val="accent1"/>
-            </a:effectRef>
-            <a:fontRef idx="minor">
-              <a:schemeClr val="lt1"/>
-            </a:fontRef>
-          </p:style>
-          <p:txBody>
-            <a:bodyPr wrap="square" rtlCol="0" anchor="ctr">
-              <a:noAutofit/>
-            </a:bodyPr>
-            <a:lstStyle/>
-            <a:p>
-              <a:pPr algn="ctr"/>
-              <a:endParaRPr lang="en-US"/>
-            </a:p>
-          </p:txBody>
-        </p:sp>
-        <p:sp>
-          <p:nvSpPr>
-            <p:cNvPr id="14" name="Freeform 87">
-              <a:extLst>
-                <a:ext uri="{FF2B5EF4-FFF2-40B4-BE49-F238E27FC236}">
-                  <a16:creationId xmlns:a16="http://schemas.microsoft.com/office/drawing/2014/main" id="{44EBCCFB-8EAB-2442-8E02-293F08D50B5C}"/>
-                </a:ext>
-                <a:ext uri="{C183D7F6-B498-43B3-948B-1728B52AA6E4}">
-                  <adec:decorative xmlns:adec="http://schemas.microsoft.com/office/drawing/2017/decorative" val="1"/>
-                </a:ext>
-              </a:extLst>
-            </p:cNvPr>
-            <p:cNvSpPr/>
-            <p:nvPr>
-              <p:extLst>
-                <p:ext uri="{386F3935-93C4-4BCD-93E2-E3B085C9AB24}">
-                  <p16:designElem xmlns:p16="http://schemas.microsoft.com/office/powerpoint/2015/main" val="1"/>
-                </p:ext>
-              </p:extLst>
-            </p:nvPr>
-          </p:nvSpPr>
-          <p:spPr>
-            <a:xfrm>
-              <a:off x="11653180" y="3552066"/>
-              <a:ext cx="538821" cy="1125373"/>
-            </a:xfrm>
-            <a:custGeom>
-              <a:avLst/>
-              <a:gdLst>
-                <a:gd name="connsiteX0" fmla="*/ 538821 w 538821"/>
-                <a:gd name="connsiteY0" fmla="*/ 0 h 1125373"/>
-                <a:gd name="connsiteX1" fmla="*/ 538821 w 538821"/>
-                <a:gd name="connsiteY1" fmla="*/ 1125373 h 1125373"/>
-                <a:gd name="connsiteX2" fmla="*/ 451422 w 538821"/>
-                <a:gd name="connsiteY2" fmla="*/ 1116562 h 1125373"/>
-                <a:gd name="connsiteX3" fmla="*/ 0 w 538821"/>
-                <a:gd name="connsiteY3" fmla="*/ 562686 h 1125373"/>
-                <a:gd name="connsiteX4" fmla="*/ 451422 w 538821"/>
-                <a:gd name="connsiteY4" fmla="*/ 8810 h 1125373"/>
-              </a:gdLst>
-              <a:ahLst/>
-              <a:cxnLst>
-                <a:cxn ang="0">
-                  <a:pos x="connsiteX0" y="connsiteY0"/>
-                </a:cxn>
-                <a:cxn ang="0">
-                  <a:pos x="connsiteX1" y="connsiteY1"/>
-                </a:cxn>
-                <a:cxn ang="0">
-                  <a:pos x="connsiteX2" y="connsiteY2"/>
-                </a:cxn>
-                <a:cxn ang="0">
-                  <a:pos x="connsiteX3" y="connsiteY3"/>
-                </a:cxn>
-                <a:cxn ang="0">
-                  <a:pos x="connsiteX4" y="connsiteY4"/>
-                </a:cxn>
-              </a:cxnLst>
-              <a:rect l="l" t="t" r="r" b="b"/>
-              <a:pathLst>
-                <a:path w="538821" h="1125373">
-                  <a:moveTo>
-                    <a:pt x="538821" y="0"/>
-                  </a:moveTo>
-                  <a:lnTo>
-                    <a:pt x="538821" y="1125373"/>
-                  </a:lnTo>
-                  <a:lnTo>
-                    <a:pt x="451422" y="1116562"/>
-                  </a:lnTo>
-                  <a:cubicBezTo>
-                    <a:pt x="193796" y="1063844"/>
-                    <a:pt x="0" y="835897"/>
-                    <a:pt x="0" y="562686"/>
-                  </a:cubicBezTo>
-                  <a:cubicBezTo>
-                    <a:pt x="0" y="289475"/>
-                    <a:pt x="193796" y="61528"/>
-                    <a:pt x="451422" y="8810"/>
-                  </a:cubicBezTo>
-                  <a:close/>
-                </a:path>
-              </a:pathLst>
-            </a:custGeom>
-            <a:solidFill>
-              <a:schemeClr val="bg2"/>
-            </a:solidFill>
-            <a:ln>
-              <a:noFill/>
-            </a:ln>
-          </p:spPr>
-          <p:style>
-            <a:lnRef idx="2">
-              <a:schemeClr val="accent1">
-                <a:shade val="50000"/>
-              </a:schemeClr>
-            </a:lnRef>
-            <a:fillRef idx="1">
-              <a:schemeClr val="accent1"/>
-            </a:fillRef>
-            <a:effectRef idx="0">
-              <a:schemeClr val="accent1"/>
-            </a:effectRef>
-            <a:fontRef idx="minor">
-              <a:schemeClr val="lt1"/>
-            </a:fontRef>
-          </p:style>
-          <p:txBody>
-            <a:bodyPr wrap="square" rtlCol="0" anchor="ctr">
-              <a:noAutofit/>
-            </a:bodyPr>
-            <a:lstStyle/>
-            <a:p>
-              <a:pPr algn="ctr"/>
-              <a:endParaRPr lang="en-US"/>
-            </a:p>
-          </p:txBody>
-        </p:sp>
-        <p:sp>
-          <p:nvSpPr>
-            <p:cNvPr id="15" name="Freeform 89">
-              <a:extLst>
-                <a:ext uri="{FF2B5EF4-FFF2-40B4-BE49-F238E27FC236}">
-                  <a16:creationId xmlns:a16="http://schemas.microsoft.com/office/drawing/2014/main" id="{AFD14830-CC36-D64E-8173-3980425632A8}"/>
-                </a:ext>
-                <a:ext uri="{C183D7F6-B498-43B3-948B-1728B52AA6E4}">
-                  <adec:decorative xmlns:adec="http://schemas.microsoft.com/office/drawing/2017/decorative" val="1"/>
-                </a:ext>
-              </a:extLst>
-            </p:cNvPr>
-            <p:cNvSpPr/>
-            <p:nvPr>
-              <p:extLst>
-                <p:ext uri="{386F3935-93C4-4BCD-93E2-E3B085C9AB24}">
-                  <p16:designElem xmlns:p16="http://schemas.microsoft.com/office/powerpoint/2015/main" val="1"/>
-                </p:ext>
-              </p:extLst>
-            </p:nvPr>
-          </p:nvSpPr>
-          <p:spPr>
-            <a:xfrm>
-              <a:off x="11653180" y="809039"/>
-              <a:ext cx="538821" cy="1125373"/>
-            </a:xfrm>
-            <a:custGeom>
-              <a:avLst/>
-              <a:gdLst>
-                <a:gd name="connsiteX0" fmla="*/ 538821 w 538821"/>
-                <a:gd name="connsiteY0" fmla="*/ 0 h 1125373"/>
-                <a:gd name="connsiteX1" fmla="*/ 538821 w 538821"/>
-                <a:gd name="connsiteY1" fmla="*/ 1125373 h 1125373"/>
-                <a:gd name="connsiteX2" fmla="*/ 451422 w 538821"/>
-                <a:gd name="connsiteY2" fmla="*/ 1116562 h 1125373"/>
-                <a:gd name="connsiteX3" fmla="*/ 0 w 538821"/>
-                <a:gd name="connsiteY3" fmla="*/ 562686 h 1125373"/>
-                <a:gd name="connsiteX4" fmla="*/ 451422 w 538821"/>
-                <a:gd name="connsiteY4" fmla="*/ 8810 h 1125373"/>
-              </a:gdLst>
-              <a:ahLst/>
-              <a:cxnLst>
-                <a:cxn ang="0">
-                  <a:pos x="connsiteX0" y="connsiteY0"/>
-                </a:cxn>
-                <a:cxn ang="0">
-                  <a:pos x="connsiteX1" y="connsiteY1"/>
-                </a:cxn>
-                <a:cxn ang="0">
-                  <a:pos x="connsiteX2" y="connsiteY2"/>
-                </a:cxn>
-                <a:cxn ang="0">
-                  <a:pos x="connsiteX3" y="connsiteY3"/>
-                </a:cxn>
-                <a:cxn ang="0">
-                  <a:pos x="connsiteX4" y="connsiteY4"/>
-                </a:cxn>
-              </a:cxnLst>
-              <a:rect l="l" t="t" r="r" b="b"/>
-              <a:pathLst>
-                <a:path w="538821" h="1125373">
-                  <a:moveTo>
-                    <a:pt x="538821" y="0"/>
-                  </a:moveTo>
-                  <a:lnTo>
-                    <a:pt x="538821" y="1125373"/>
-                  </a:lnTo>
-                  <a:lnTo>
-                    <a:pt x="451422" y="1116562"/>
-                  </a:lnTo>
-                  <a:cubicBezTo>
-                    <a:pt x="193796" y="1063844"/>
-                    <a:pt x="0" y="835897"/>
-                    <a:pt x="0" y="562686"/>
-                  </a:cubicBezTo>
-                  <a:cubicBezTo>
-                    <a:pt x="0" y="289475"/>
-                    <a:pt x="193796" y="61528"/>
-                    <a:pt x="451422" y="8810"/>
-                  </a:cubicBezTo>
-                  <a:close/>
-                </a:path>
-              </a:pathLst>
-            </a:custGeom>
-            <a:solidFill>
-              <a:schemeClr val="accent1"/>
-            </a:solidFill>
-            <a:ln>
-              <a:noFill/>
-            </a:ln>
-          </p:spPr>
-          <p:style>
-            <a:lnRef idx="2">
-              <a:schemeClr val="accent1">
-                <a:shade val="50000"/>
-              </a:schemeClr>
-            </a:lnRef>
-            <a:fillRef idx="1">
-              <a:schemeClr val="accent1"/>
-            </a:fillRef>
-            <a:effectRef idx="0">
-              <a:schemeClr val="accent1"/>
-            </a:effectRef>
-            <a:fontRef idx="minor">
-              <a:schemeClr val="lt1"/>
-            </a:fontRef>
-          </p:style>
-          <p:txBody>
-            <a:bodyPr wrap="square" rtlCol="0" anchor="ctr">
-              <a:noAutofit/>
-            </a:bodyPr>
-            <a:lstStyle/>
-            <a:p>
-              <a:pPr algn="ctr"/>
-              <a:endParaRPr lang="en-US"/>
-            </a:p>
-          </p:txBody>
-        </p:sp>
-        <p:sp>
-          <p:nvSpPr>
-            <p:cNvPr id="16" name="Freeform 97">
-              <a:extLst>
-                <a:ext uri="{FF2B5EF4-FFF2-40B4-BE49-F238E27FC236}">
-                  <a16:creationId xmlns:a16="http://schemas.microsoft.com/office/drawing/2014/main" id="{FAA40AB8-EB6E-A44D-B3CA-7D25B64F5A4D}"/>
-                </a:ext>
-                <a:ext uri="{C183D7F6-B498-43B3-948B-1728B52AA6E4}">
-                  <adec:decorative xmlns:adec="http://schemas.microsoft.com/office/drawing/2017/decorative" val="1"/>
-                </a:ext>
-              </a:extLst>
-            </p:cNvPr>
-            <p:cNvSpPr/>
-            <p:nvPr>
-              <p:extLst>
-                <p:ext uri="{386F3935-93C4-4BCD-93E2-E3B085C9AB24}">
-                  <p16:designElem xmlns:p16="http://schemas.microsoft.com/office/powerpoint/2015/main" val="1"/>
-                </p:ext>
-              </p:extLst>
-            </p:nvPr>
-          </p:nvSpPr>
-          <p:spPr>
-            <a:xfrm>
-              <a:off x="11653180" y="0"/>
-              <a:ext cx="538821" cy="562898"/>
-            </a:xfrm>
-            <a:custGeom>
-              <a:avLst/>
-              <a:gdLst>
-                <a:gd name="connsiteX0" fmla="*/ 21 w 538821"/>
-                <a:gd name="connsiteY0" fmla="*/ 0 h 562898"/>
-                <a:gd name="connsiteX1" fmla="*/ 538821 w 538821"/>
-                <a:gd name="connsiteY1" fmla="*/ 0 h 562898"/>
-                <a:gd name="connsiteX2" fmla="*/ 538821 w 538821"/>
-                <a:gd name="connsiteY2" fmla="*/ 562898 h 562898"/>
-                <a:gd name="connsiteX3" fmla="*/ 451422 w 538821"/>
-                <a:gd name="connsiteY3" fmla="*/ 554087 h 562898"/>
-                <a:gd name="connsiteX4" fmla="*/ 0 w 538821"/>
-                <a:gd name="connsiteY4" fmla="*/ 211 h 562898"/>
-              </a:gdLst>
-              <a:ahLst/>
-              <a:cxnLst>
-                <a:cxn ang="0">
-                  <a:pos x="connsiteX0" y="connsiteY0"/>
-                </a:cxn>
-                <a:cxn ang="0">
-                  <a:pos x="connsiteX1" y="connsiteY1"/>
-                </a:cxn>
-                <a:cxn ang="0">
-                  <a:pos x="connsiteX2" y="connsiteY2"/>
-                </a:cxn>
-                <a:cxn ang="0">
-                  <a:pos x="connsiteX3" y="connsiteY3"/>
-                </a:cxn>
-                <a:cxn ang="0">
-                  <a:pos x="connsiteX4" y="connsiteY4"/>
-                </a:cxn>
-              </a:cxnLst>
-              <a:rect l="l" t="t" r="r" b="b"/>
-              <a:pathLst>
-                <a:path w="538821" h="562898">
-                  <a:moveTo>
-                    <a:pt x="21" y="0"/>
-                  </a:moveTo>
-                  <a:lnTo>
-                    <a:pt x="538821" y="0"/>
-                  </a:lnTo>
-                  <a:lnTo>
-                    <a:pt x="538821" y="562898"/>
-                  </a:lnTo>
-                  <a:lnTo>
-                    <a:pt x="451422" y="554087"/>
-                  </a:lnTo>
-                  <a:cubicBezTo>
-                    <a:pt x="193796" y="501369"/>
-                    <a:pt x="0" y="273422"/>
-                    <a:pt x="0" y="211"/>
-                  </a:cubicBezTo>
-                  <a:close/>
-                </a:path>
-              </a:pathLst>
-            </a:custGeom>
-            <a:solidFill>
-              <a:schemeClr val="bg2"/>
-            </a:solidFill>
-            <a:ln>
-              <a:noFill/>
-            </a:ln>
-          </p:spPr>
-          <p:style>
-            <a:lnRef idx="2">
-              <a:schemeClr val="accent1">
-                <a:shade val="50000"/>
-              </a:schemeClr>
-            </a:lnRef>
-            <a:fillRef idx="1">
-              <a:schemeClr val="accent1"/>
-            </a:fillRef>
-            <a:effectRef idx="0">
-              <a:schemeClr val="accent1"/>
-            </a:effectRef>
-            <a:fontRef idx="minor">
-              <a:schemeClr val="lt1"/>
-            </a:fontRef>
-          </p:style>
-          <p:txBody>
-            <a:bodyPr wrap="square" rtlCol="0" anchor="ctr">
-              <a:noAutofit/>
-            </a:bodyPr>
-            <a:lstStyle/>
-            <a:p>
-              <a:pPr algn="ctr"/>
-              <a:endParaRPr lang="en-US"/>
-            </a:p>
-          </p:txBody>
-        </p:sp>
-      </p:grpSp>
-      <p:cxnSp>
-        <p:nvCxnSpPr>
-          <p:cNvPr id="18" name="Straight Connector 17">
-            <a:extLst>
-              <a:ext uri="{FF2B5EF4-FFF2-40B4-BE49-F238E27FC236}">
-                <a16:creationId xmlns:a16="http://schemas.microsoft.com/office/drawing/2014/main" id="{EEA70831-9A8D-3B4D-8EA5-EE32F93E94E9}"/>
-              </a:ext>
-              <a:ext uri="{C183D7F6-B498-43B3-948B-1728B52AA6E4}">
-                <adec:decorative xmlns:adec="http://schemas.microsoft.com/office/drawing/2017/decorative" val="1"/>
-              </a:ext>
-            </a:extLst>
-          </p:cNvPr>
-          <p:cNvCxnSpPr>
-            <a:cxnSpLocks noGrp="1" noRot="1" noChangeAspect="1" noMove="1" noResize="1" noEditPoints="1" noAdjustHandles="1" noChangeArrowheads="1" noChangeShapeType="1"/>
-          </p:cNvCxnSpPr>
-          <p:nvPr>
-            <p:extLst>
-              <p:ext uri="{386F3935-93C4-4BCD-93E2-E3B085C9AB24}">
-                <p16:designElem xmlns:p16="http://schemas.microsoft.com/office/powerpoint/2015/main" val="1"/>
-              </p:ext>
-            </p:extLst>
-          </p:nvPr>
-        </p:nvCxnSpPr>
-        <p:spPr>
-          <a:xfrm>
-            <a:off x="565150" y="6087110"/>
-            <a:ext cx="6404372" cy="0"/>
-          </a:xfrm>
-          <a:prstGeom prst="line">
-            <a:avLst/>
-          </a:prstGeom>
-          <a:ln w="12700">
-            <a:solidFill>
-              <a:schemeClr val="bg1">
-                <a:lumMod val="65000"/>
-              </a:schemeClr>
-            </a:solidFill>
-          </a:ln>
-        </p:spPr>
-        <p:style>
-          <a:lnRef idx="1">
-            <a:schemeClr val="accent1"/>
-          </a:lnRef>
-          <a:fillRef idx="0">
-            <a:schemeClr val="accent1"/>
-          </a:fillRef>
-          <a:effectRef idx="0">
-            <a:schemeClr val="accent1"/>
-          </a:effectRef>
-          <a:fontRef idx="minor">
-            <a:schemeClr val="tx1"/>
-          </a:fontRef>
-        </p:style>
-      </p:cxnSp>
-      <p:pic>
-        <p:nvPicPr>
-          <p:cNvPr id="5" name="Graphic 4" descr="Competition outline">
-            <a:extLst>
-              <a:ext uri="{FF2B5EF4-FFF2-40B4-BE49-F238E27FC236}">
-                <a16:creationId xmlns:a16="http://schemas.microsoft.com/office/drawing/2014/main" id="{F55FCEA0-4E4E-3C0A-C218-4F1077E71C99}"/>
-              </a:ext>
-            </a:extLst>
-          </p:cNvPr>
-          <p:cNvPicPr>
-            <a:picLocks noChangeAspect="1"/>
-          </p:cNvPicPr>
-          <p:nvPr/>
-        </p:nvPicPr>
-        <p:blipFill>
-          <a:blip r:embed="rId2">
-            <a:extLst>
-              <a:ext uri="{28A0092B-C50C-407E-A947-70E740481C1C}">
-                <a14:useLocalDpi xmlns:a14="http://schemas.microsoft.com/office/drawing/2010/main" val="0"/>
-              </a:ext>
-              <a:ext uri="{96DAC541-7B7A-43D3-8B79-37D633B846F1}">
-                <asvg:svgBlip xmlns:asvg="http://schemas.microsoft.com/office/drawing/2016/SVG/main" r:embed="rId3"/>
-              </a:ext>
-            </a:extLst>
-          </a:blip>
-          <a:stretch>
-            <a:fillRect/>
-          </a:stretch>
-        </p:blipFill>
-        <p:spPr>
-          <a:xfrm>
-            <a:off x="7534656" y="1423446"/>
-            <a:ext cx="4002456" cy="4002456"/>
-          </a:xfrm>
-          <a:prstGeom prst="rect">
-            <a:avLst/>
-          </a:prstGeom>
-        </p:spPr>
-      </p:pic>
-      <p:cxnSp>
-        <p:nvCxnSpPr>
-          <p:cNvPr id="6" name="Straight Connector 5">
-            <a:extLst>
-              <a:ext uri="{FF2B5EF4-FFF2-40B4-BE49-F238E27FC236}">
-                <a16:creationId xmlns:a16="http://schemas.microsoft.com/office/drawing/2014/main" id="{668F19C3-18D4-BB99-CF2D-1CBCED2F93DA}"/>
-              </a:ext>
-            </a:extLst>
-          </p:cNvPr>
-          <p:cNvCxnSpPr>
-            <a:cxnSpLocks/>
-          </p:cNvCxnSpPr>
-          <p:nvPr/>
-        </p:nvCxnSpPr>
-        <p:spPr>
-          <a:xfrm>
-            <a:off x="677334" y="1575308"/>
-            <a:ext cx="6070599" cy="0"/>
-          </a:xfrm>
-          <a:prstGeom prst="line">
-            <a:avLst/>
-          </a:prstGeom>
-        </p:spPr>
-        <p:style>
-          <a:lnRef idx="3">
-            <a:schemeClr val="dk1"/>
-          </a:lnRef>
-          <a:fillRef idx="0">
-            <a:schemeClr val="dk1"/>
-          </a:fillRef>
-          <a:effectRef idx="2">
-            <a:schemeClr val="dk1"/>
-          </a:effectRef>
-          <a:fontRef idx="minor">
-            <a:schemeClr val="tx1"/>
-          </a:fontRef>
-        </p:style>
-      </p:cxnSp>
-    </p:spTree>
-    <p:extLst>
-      <p:ext uri="{BB962C8B-B14F-4D97-AF65-F5344CB8AC3E}">
-        <p14:creationId xmlns:p14="http://schemas.microsoft.com/office/powerpoint/2010/main" val="3237371224"/>
+        <p14:creationId xmlns:p14="http://schemas.microsoft.com/office/powerpoint/2010/main" val="3954863844"/>
       </p:ext>
     </p:extLst>
   </p:cSld>
